--- a/00-PRESENTATION/PRESENTACION_SOE.pptx
+++ b/00-PRESENTATION/PRESENTACION_SOE.pptx
@@ -5,7 +5,7 @@
     <p:sldMasterId id="2147483648" r:id="rId1"/>
   </p:sldMasterIdLst>
   <p:notesMasterIdLst>
-    <p:notesMasterId r:id="rId14"/>
+    <p:notesMasterId r:id="rId15"/>
   </p:notesMasterIdLst>
   <p:sldIdLst>
     <p:sldId id="256" r:id="rId2"/>
@@ -19,31 +19,32 @@
     <p:sldId id="264" r:id="rId10"/>
     <p:sldId id="265" r:id="rId11"/>
     <p:sldId id="266" r:id="rId12"/>
-    <p:sldId id="267" r:id="rId13"/>
+    <p:sldId id="268" r:id="rId13"/>
+    <p:sldId id="267" r:id="rId14"/>
   </p:sldIdLst>
   <p:sldSz cx="24384000" cy="15748000"/>
   <p:notesSz cx="6858000" cy="9144000"/>
   <p:embeddedFontLst>
     <p:embeddedFont>
       <p:font typeface="Calibri" panose="020F0502020204030204" pitchFamily="34" charset="0"/>
-      <p:regular r:id="rId15"/>
-      <p:bold r:id="rId16"/>
-      <p:italic r:id="rId17"/>
-      <p:boldItalic r:id="rId18"/>
+      <p:regular r:id="rId16"/>
+      <p:bold r:id="rId17"/>
+      <p:italic r:id="rId18"/>
+      <p:boldItalic r:id="rId19"/>
     </p:embeddedFont>
     <p:embeddedFont>
       <p:font typeface="Helvetica Neue" panose="020B0604020202020204" charset="0"/>
-      <p:regular r:id="rId19"/>
-      <p:bold r:id="rId20"/>
-      <p:italic r:id="rId21"/>
-      <p:boldItalic r:id="rId22"/>
+      <p:regular r:id="rId20"/>
+      <p:bold r:id="rId21"/>
+      <p:italic r:id="rId22"/>
+      <p:boldItalic r:id="rId23"/>
     </p:embeddedFont>
     <p:embeddedFont>
       <p:font typeface="Helvetica Neue Light" panose="020B0604020202020204" charset="0"/>
-      <p:regular r:id="rId23"/>
-      <p:bold r:id="rId24"/>
-      <p:italic r:id="rId25"/>
-      <p:boldItalic r:id="rId26"/>
+      <p:regular r:id="rId24"/>
+      <p:bold r:id="rId25"/>
+      <p:italic r:id="rId26"/>
+      <p:boldItalic r:id="rId27"/>
     </p:embeddedFont>
   </p:embeddedFontLst>
   <p:defaultTextStyle>
@@ -291,7 +292,7 @@
       </p15:sldGuideLst>
     </p:ext>
     <p:ext uri="http://customooxmlschemas.google.com/">
-      <go:slidesCustomData xmlns="" xmlns:mc="http://schemas.openxmlformats.org/markup-compatibility/2006" xmlns:mv="urn:schemas-microsoft-com:mac:vml" xmlns:c="http://schemas.openxmlformats.org/drawingml/2006/chart" xmlns:dgm="http://schemas.openxmlformats.org/drawingml/2006/diagram" xmlns:o="urn:schemas-microsoft-com:office:office" xmlns:v="urn:schemas-microsoft-com:vml" xmlns:pvml="urn:schemas-microsoft-com:office:powerpoint" xmlns:com="http://schemas.openxmlformats.org/drawingml/2006/compatibility" xmlns:p14="http://schemas.microsoft.com/office/powerpoint/2010/main" xmlns:p15="http://schemas.microsoft.com/office/powerpoint/2012/main" xmlns:ahyp="http://schemas.microsoft.com/office/drawing/2018/hyperlinkcolor" xmlns:go="http://customooxmlschemas.google.com/" r:id="rId27" roundtripDataSignature="AMtx7miRF9QqgmOwsJlqFQYq63u9Ef2Mug=="/>
+      <go:slidesCustomData xmlns:go="http://customooxmlschemas.google.com/" xmlns:ahyp="http://schemas.microsoft.com/office/drawing/2018/hyperlinkcolor" xmlns:p15="http://schemas.microsoft.com/office/powerpoint/2012/main" xmlns:p14="http://schemas.microsoft.com/office/powerpoint/2010/main" xmlns:com="http://schemas.openxmlformats.org/drawingml/2006/compatibility" xmlns:pvml="urn:schemas-microsoft-com:office:powerpoint" xmlns:v="urn:schemas-microsoft-com:vml" xmlns:o="urn:schemas-microsoft-com:office:office" xmlns:dgm="http://schemas.openxmlformats.org/drawingml/2006/diagram" xmlns:c="http://schemas.openxmlformats.org/drawingml/2006/chart" xmlns:mv="urn:schemas-microsoft-com:mac:vml" xmlns:mc="http://schemas.openxmlformats.org/markup-compatibility/2006" xmlns="" r:id="rId28" roundtripDataSignature="AMtx7miRF9QqgmOwsJlqFQYq63u9Ef2Mug=="/>
     </p:ext>
   </p:extLst>
 </p:presentation>
@@ -1223,6 +1224,127 @@
   <p:cSld>
     <p:spTree>
       <p:nvGrpSpPr>
+        <p:cNvPr id="1" name="Shape 136"/>
+        <p:cNvGrpSpPr/>
+        <p:nvPr/>
+      </p:nvGrpSpPr>
+      <p:grpSpPr>
+        <a:xfrm>
+          <a:off x="0" y="0"/>
+          <a:ext cx="0" cy="0"/>
+          <a:chOff x="0" y="0"/>
+          <a:chExt cx="0" cy="0"/>
+        </a:xfrm>
+      </p:grpSpPr>
+      <p:sp>
+        <p:nvSpPr>
+          <p:cNvPr id="137" name="Google Shape;137;gcf145aebea_1_5:notes"/>
+          <p:cNvSpPr txBox="1">
+            <a:spLocks noGrp="1"/>
+          </p:cNvSpPr>
+          <p:nvPr>
+            <p:ph type="body" idx="1"/>
+          </p:nvPr>
+        </p:nvSpPr>
+        <p:spPr>
+          <a:xfrm>
+            <a:off x="914400" y="4343400"/>
+            <a:ext cx="5029200" cy="4114800"/>
+          </a:xfrm>
+          <a:prstGeom prst="rect">
+            <a:avLst/>
+          </a:prstGeom>
+          <a:noFill/>
+          <a:ln>
+            <a:noFill/>
+          </a:ln>
+        </p:spPr>
+        <p:txBody>
+          <a:bodyPr spcFirstLastPara="1" wrap="square" lIns="91425" tIns="45700" rIns="91425" bIns="45700" anchor="t" anchorCtr="0">
+            <a:noAutofit/>
+          </a:bodyPr>
+          <a:lstStyle/>
+          <a:p>
+            <a:pPr marL="0" lvl="0" indent="0" algn="l" rtl="0">
+              <a:lnSpc>
+                <a:spcPct val="117999"/>
+              </a:lnSpc>
+              <a:spcBef>
+                <a:spcPts val="0"/>
+              </a:spcBef>
+              <a:spcAft>
+                <a:spcPts val="0"/>
+              </a:spcAft>
+              <a:buSzPts val="1400"/>
+              <a:buNone/>
+            </a:pPr>
+            <a:endParaRPr/>
+          </a:p>
+        </p:txBody>
+      </p:sp>
+      <p:sp>
+        <p:nvSpPr>
+          <p:cNvPr id="138" name="Google Shape;138;gcf145aebea_1_5:notes"/>
+          <p:cNvSpPr>
+            <a:spLocks noGrp="1" noRot="1" noChangeAspect="1"/>
+          </p:cNvSpPr>
+          <p:nvPr>
+            <p:ph type="sldImg" idx="2"/>
+          </p:nvPr>
+        </p:nvSpPr>
+        <p:spPr>
+          <a:xfrm>
+            <a:off x="774700" y="685800"/>
+            <a:ext cx="5308600" cy="3429000"/>
+          </a:xfrm>
+          <a:custGeom>
+            <a:avLst/>
+            <a:gdLst/>
+            <a:ahLst/>
+            <a:cxnLst/>
+            <a:rect l="l" t="t" r="r" b="b"/>
+            <a:pathLst>
+              <a:path w="120000" h="120000" extrusionOk="0">
+                <a:moveTo>
+                  <a:pt x="0" y="0"/>
+                </a:moveTo>
+                <a:lnTo>
+                  <a:pt x="120000" y="0"/>
+                </a:lnTo>
+                <a:lnTo>
+                  <a:pt x="120000" y="120000"/>
+                </a:lnTo>
+                <a:lnTo>
+                  <a:pt x="0" y="120000"/>
+                </a:lnTo>
+                <a:close/>
+              </a:path>
+            </a:pathLst>
+          </a:custGeom>
+          <a:noFill/>
+          <a:ln>
+            <a:noFill/>
+          </a:ln>
+        </p:spPr>
+      </p:sp>
+    </p:spTree>
+    <p:extLst>
+      <p:ext uri="{BB962C8B-B14F-4D97-AF65-F5344CB8AC3E}">
+        <p14:creationId xmlns:p14="http://schemas.microsoft.com/office/powerpoint/2010/main" val="3368540299"/>
+      </p:ext>
+    </p:extLst>
+  </p:cSld>
+  <p:clrMapOvr>
+    <a:masterClrMapping/>
+  </p:clrMapOvr>
+</p:notes>
+</file>
+
+<file path=ppt/notesSlides/notesSlide13.xml><?xml version="1.0" encoding="utf-8"?>
+<p:notes xmlns:a="http://schemas.openxmlformats.org/drawingml/2006/main" xmlns:r="http://schemas.openxmlformats.org/officeDocument/2006/relationships" xmlns:p="http://schemas.openxmlformats.org/presentationml/2006/main" showMasterSp="0" showMasterPhAnim="0">
+  <p:cSld>
+    <p:spTree>
+      <p:nvGrpSpPr>
         <p:cNvPr id="1" name="Shape 146"/>
         <p:cNvGrpSpPr/>
         <p:nvPr/>
@@ -1409,8 +1531,8 @@
         </p:nvSpPr>
         <p:spPr>
           <a:xfrm>
-            <a:off x="1143000" y="685800"/>
-            <a:ext cx="4572000" cy="3429000"/>
+            <a:off x="774700" y="685800"/>
+            <a:ext cx="5308600" cy="3429000"/>
           </a:xfrm>
           <a:custGeom>
             <a:avLst/>
@@ -12503,7 +12625,7 @@
               <a:buNone/>
             </a:pPr>
             <a:r>
-              <a:rPr lang="en-US" sz="8000" b="1">
+              <a:rPr lang="en-US" sz="8000" b="1" dirty="0" err="1">
                 <a:solidFill>
                   <a:srgbClr val="434343"/>
                 </a:solidFill>
@@ -12512,9 +12634,21 @@
                 <a:cs typeface="Calibri"/>
                 <a:sym typeface="Calibri"/>
               </a:rPr>
-              <a:t>Análisis y Desarrollo de Sistema de Información</a:t>
-            </a:r>
-            <a:endParaRPr sz="1400" b="0" i="0" u="none" strike="noStrike" cap="none">
+              <a:t>Análisis</a:t>
+            </a:r>
+            <a:r>
+              <a:rPr lang="en-US" sz="8000" b="1" dirty="0">
+                <a:solidFill>
+                  <a:srgbClr val="434343"/>
+                </a:solidFill>
+                <a:latin typeface="Calibri"/>
+                <a:ea typeface="Calibri"/>
+                <a:cs typeface="Calibri"/>
+                <a:sym typeface="Calibri"/>
+              </a:rPr>
+              <a:t> y Desarrollo de Sistema de Información</a:t>
+            </a:r>
+            <a:endParaRPr sz="1400" b="0" i="0" u="none" strike="noStrike" cap="none" dirty="0">
               <a:solidFill>
                 <a:srgbClr val="434343"/>
               </a:solidFill>
@@ -12825,14 +12959,150 @@
               <a:buChar char="●"/>
             </a:pPr>
             <a:r>
-              <a:rPr lang="en-US" sz="5000">
-                <a:solidFill>
-                  <a:schemeClr val="dk1"/>
-                </a:solidFill>
-              </a:rPr>
-              <a:t>Proporcionar información verídica, segura, mediante el cifrado y respaldo de la información.</a:t>
-            </a:r>
-            <a:endParaRPr sz="5500">
+              <a:rPr lang="en-US" sz="5000" dirty="0" err="1">
+                <a:solidFill>
+                  <a:schemeClr val="dk1"/>
+                </a:solidFill>
+              </a:rPr>
+              <a:t>Proporcionar</a:t>
+            </a:r>
+            <a:r>
+              <a:rPr lang="en-US" sz="5000" dirty="0">
+                <a:solidFill>
+                  <a:schemeClr val="dk1"/>
+                </a:solidFill>
+              </a:rPr>
+              <a:t> </a:t>
+            </a:r>
+            <a:r>
+              <a:rPr lang="en-US" sz="5000" dirty="0" err="1">
+                <a:solidFill>
+                  <a:schemeClr val="dk1"/>
+                </a:solidFill>
+              </a:rPr>
+              <a:t>información</a:t>
+            </a:r>
+            <a:r>
+              <a:rPr lang="en-US" sz="5000" dirty="0">
+                <a:solidFill>
+                  <a:schemeClr val="dk1"/>
+                </a:solidFill>
+              </a:rPr>
+              <a:t> </a:t>
+            </a:r>
+            <a:r>
+              <a:rPr lang="en-US" sz="5000" dirty="0" err="1">
+                <a:solidFill>
+                  <a:schemeClr val="dk1"/>
+                </a:solidFill>
+              </a:rPr>
+              <a:t>verídica</a:t>
+            </a:r>
+            <a:r>
+              <a:rPr lang="en-US" sz="5000" dirty="0">
+                <a:solidFill>
+                  <a:schemeClr val="dk1"/>
+                </a:solidFill>
+              </a:rPr>
+              <a:t>, </a:t>
+            </a:r>
+            <a:r>
+              <a:rPr lang="en-US" sz="5000" dirty="0" err="1">
+                <a:solidFill>
+                  <a:schemeClr val="dk1"/>
+                </a:solidFill>
+              </a:rPr>
+              <a:t>segura</a:t>
+            </a:r>
+            <a:r>
+              <a:rPr lang="en-US" sz="5000" dirty="0">
+                <a:solidFill>
+                  <a:schemeClr val="dk1"/>
+                </a:solidFill>
+              </a:rPr>
+              <a:t>, </a:t>
+            </a:r>
+            <a:r>
+              <a:rPr lang="en-US" sz="5000" dirty="0" err="1">
+                <a:solidFill>
+                  <a:schemeClr val="dk1"/>
+                </a:solidFill>
+              </a:rPr>
+              <a:t>mediante</a:t>
+            </a:r>
+            <a:r>
+              <a:rPr lang="en-US" sz="5000" dirty="0">
+                <a:solidFill>
+                  <a:schemeClr val="dk1"/>
+                </a:solidFill>
+              </a:rPr>
+              <a:t> </a:t>
+            </a:r>
+            <a:r>
+              <a:rPr lang="en-US" sz="5000" dirty="0" err="1">
+                <a:solidFill>
+                  <a:schemeClr val="dk1"/>
+                </a:solidFill>
+              </a:rPr>
+              <a:t>el</a:t>
+            </a:r>
+            <a:r>
+              <a:rPr lang="en-US" sz="5000" dirty="0">
+                <a:solidFill>
+                  <a:schemeClr val="dk1"/>
+                </a:solidFill>
+              </a:rPr>
+              <a:t> </a:t>
+            </a:r>
+            <a:r>
+              <a:rPr lang="en-US" sz="5000" dirty="0" err="1">
+                <a:solidFill>
+                  <a:schemeClr val="dk1"/>
+                </a:solidFill>
+              </a:rPr>
+              <a:t>cifrado</a:t>
+            </a:r>
+            <a:r>
+              <a:rPr lang="en-US" sz="5000" dirty="0">
+                <a:solidFill>
+                  <a:schemeClr val="dk1"/>
+                </a:solidFill>
+              </a:rPr>
+              <a:t> y </a:t>
+            </a:r>
+            <a:r>
+              <a:rPr lang="en-US" sz="5000" dirty="0" err="1">
+                <a:solidFill>
+                  <a:schemeClr val="dk1"/>
+                </a:solidFill>
+              </a:rPr>
+              <a:t>respaldo</a:t>
+            </a:r>
+            <a:r>
+              <a:rPr lang="en-US" sz="5000" dirty="0">
+                <a:solidFill>
+                  <a:schemeClr val="dk1"/>
+                </a:solidFill>
+              </a:rPr>
+              <a:t> de la </a:t>
+            </a:r>
+            <a:r>
+              <a:rPr lang="en-US" sz="5000" dirty="0" err="1">
+                <a:solidFill>
+                  <a:schemeClr val="dk1"/>
+                </a:solidFill>
+              </a:rPr>
+              <a:t>información</a:t>
+            </a:r>
+            <a:r>
+              <a:rPr lang="en-US" sz="5000" dirty="0">
+                <a:solidFill>
+                  <a:schemeClr val="dk1"/>
+                </a:solidFill>
+              </a:rPr>
+              <a:t>.</a:t>
+            </a:r>
+            <a:endParaRPr sz="5500" dirty="0">
               <a:solidFill>
                 <a:schemeClr val="dk1"/>
               </a:solidFill>
@@ -12891,14 +13161,230 @@
               <a:buChar char="●"/>
             </a:pPr>
             <a:r>
-              <a:rPr lang="en-US" sz="5000">
-                <a:solidFill>
-                  <a:schemeClr val="dk1"/>
-                </a:solidFill>
-              </a:rPr>
-              <a:t>Brindar información específica dependiendo de la función del usuario, basándose en los diferentes cargos de la institución, por medio de un sistema de registro e inicio de sesión.</a:t>
-            </a:r>
-            <a:endParaRPr sz="900">
+              <a:rPr lang="en-US" sz="5000" dirty="0" err="1">
+                <a:solidFill>
+                  <a:schemeClr val="dk1"/>
+                </a:solidFill>
+              </a:rPr>
+              <a:t>Brindar</a:t>
+            </a:r>
+            <a:r>
+              <a:rPr lang="en-US" sz="5000" dirty="0">
+                <a:solidFill>
+                  <a:schemeClr val="dk1"/>
+                </a:solidFill>
+              </a:rPr>
+              <a:t> </a:t>
+            </a:r>
+            <a:r>
+              <a:rPr lang="en-US" sz="5000" dirty="0" err="1">
+                <a:solidFill>
+                  <a:schemeClr val="dk1"/>
+                </a:solidFill>
+              </a:rPr>
+              <a:t>información</a:t>
+            </a:r>
+            <a:r>
+              <a:rPr lang="en-US" sz="5000" dirty="0">
+                <a:solidFill>
+                  <a:schemeClr val="dk1"/>
+                </a:solidFill>
+              </a:rPr>
+              <a:t> </a:t>
+            </a:r>
+            <a:r>
+              <a:rPr lang="en-US" sz="5000" dirty="0" err="1">
+                <a:solidFill>
+                  <a:schemeClr val="dk1"/>
+                </a:solidFill>
+              </a:rPr>
+              <a:t>específica</a:t>
+            </a:r>
+            <a:r>
+              <a:rPr lang="en-US" sz="5000" dirty="0">
+                <a:solidFill>
+                  <a:schemeClr val="dk1"/>
+                </a:solidFill>
+              </a:rPr>
+              <a:t> </a:t>
+            </a:r>
+            <a:r>
+              <a:rPr lang="en-US" sz="5000" dirty="0" err="1">
+                <a:solidFill>
+                  <a:schemeClr val="dk1"/>
+                </a:solidFill>
+              </a:rPr>
+              <a:t>dependiendo</a:t>
+            </a:r>
+            <a:r>
+              <a:rPr lang="en-US" sz="5000" dirty="0">
+                <a:solidFill>
+                  <a:schemeClr val="dk1"/>
+                </a:solidFill>
+              </a:rPr>
+              <a:t> de la </a:t>
+            </a:r>
+            <a:r>
+              <a:rPr lang="en-US" sz="5000" dirty="0" err="1">
+                <a:solidFill>
+                  <a:schemeClr val="dk1"/>
+                </a:solidFill>
+              </a:rPr>
+              <a:t>función</a:t>
+            </a:r>
+            <a:r>
+              <a:rPr lang="en-US" sz="5000" dirty="0">
+                <a:solidFill>
+                  <a:schemeClr val="dk1"/>
+                </a:solidFill>
+              </a:rPr>
+              <a:t> del </a:t>
+            </a:r>
+            <a:r>
+              <a:rPr lang="en-US" sz="5000" dirty="0" err="1">
+                <a:solidFill>
+                  <a:schemeClr val="dk1"/>
+                </a:solidFill>
+              </a:rPr>
+              <a:t>usuario</a:t>
+            </a:r>
+            <a:r>
+              <a:rPr lang="en-US" sz="5000" dirty="0">
+                <a:solidFill>
+                  <a:schemeClr val="dk1"/>
+                </a:solidFill>
+              </a:rPr>
+              <a:t>, </a:t>
+            </a:r>
+            <a:r>
+              <a:rPr lang="en-US" sz="5000" dirty="0" err="1">
+                <a:solidFill>
+                  <a:schemeClr val="dk1"/>
+                </a:solidFill>
+              </a:rPr>
+              <a:t>basándose</a:t>
+            </a:r>
+            <a:r>
+              <a:rPr lang="en-US" sz="5000" dirty="0">
+                <a:solidFill>
+                  <a:schemeClr val="dk1"/>
+                </a:solidFill>
+              </a:rPr>
+              <a:t> </a:t>
+            </a:r>
+            <a:r>
+              <a:rPr lang="en-US" sz="5000" dirty="0" err="1">
+                <a:solidFill>
+                  <a:schemeClr val="dk1"/>
+                </a:solidFill>
+              </a:rPr>
+              <a:t>en</a:t>
+            </a:r>
+            <a:r>
+              <a:rPr lang="en-US" sz="5000" dirty="0">
+                <a:solidFill>
+                  <a:schemeClr val="dk1"/>
+                </a:solidFill>
+              </a:rPr>
+              <a:t> los </a:t>
+            </a:r>
+            <a:r>
+              <a:rPr lang="en-US" sz="5000" dirty="0" err="1">
+                <a:solidFill>
+                  <a:schemeClr val="dk1"/>
+                </a:solidFill>
+              </a:rPr>
+              <a:t>diferentes</a:t>
+            </a:r>
+            <a:r>
+              <a:rPr lang="en-US" sz="5000" dirty="0">
+                <a:solidFill>
+                  <a:schemeClr val="dk1"/>
+                </a:solidFill>
+              </a:rPr>
+              <a:t> cargos de la </a:t>
+            </a:r>
+            <a:r>
+              <a:rPr lang="en-US" sz="5000" dirty="0" err="1">
+                <a:solidFill>
+                  <a:schemeClr val="dk1"/>
+                </a:solidFill>
+              </a:rPr>
+              <a:t>institución</a:t>
+            </a:r>
+            <a:r>
+              <a:rPr lang="en-US" sz="5000" dirty="0">
+                <a:solidFill>
+                  <a:schemeClr val="dk1"/>
+                </a:solidFill>
+              </a:rPr>
+              <a:t>, por medio de un </a:t>
+            </a:r>
+            <a:r>
+              <a:rPr lang="en-US" sz="5000" dirty="0" err="1">
+                <a:solidFill>
+                  <a:schemeClr val="dk1"/>
+                </a:solidFill>
+              </a:rPr>
+              <a:t>sistema</a:t>
+            </a:r>
+            <a:r>
+              <a:rPr lang="en-US" sz="5000" dirty="0">
+                <a:solidFill>
+                  <a:schemeClr val="dk1"/>
+                </a:solidFill>
+              </a:rPr>
+              <a:t> de </a:t>
+            </a:r>
+            <a:r>
+              <a:rPr lang="en-US" sz="5000" dirty="0" err="1">
+                <a:solidFill>
+                  <a:schemeClr val="dk1"/>
+                </a:solidFill>
+              </a:rPr>
+              <a:t>registro</a:t>
+            </a:r>
+            <a:r>
+              <a:rPr lang="en-US" sz="5000" dirty="0">
+                <a:solidFill>
+                  <a:schemeClr val="dk1"/>
+                </a:solidFill>
+              </a:rPr>
+              <a:t> e </a:t>
+            </a:r>
+            <a:r>
+              <a:rPr lang="en-US" sz="5000" dirty="0" err="1">
+                <a:solidFill>
+                  <a:schemeClr val="dk1"/>
+                </a:solidFill>
+              </a:rPr>
+              <a:t>inicio</a:t>
+            </a:r>
+            <a:r>
+              <a:rPr lang="en-US" sz="5000" dirty="0">
+                <a:solidFill>
+                  <a:schemeClr val="dk1"/>
+                </a:solidFill>
+              </a:rPr>
+              <a:t> de </a:t>
+            </a:r>
+            <a:r>
+              <a:rPr lang="en-US" sz="5000" dirty="0" err="1">
+                <a:solidFill>
+                  <a:schemeClr val="dk1"/>
+                </a:solidFill>
+              </a:rPr>
+              <a:t>sesión</a:t>
+            </a:r>
+            <a:r>
+              <a:rPr lang="en-US" sz="5000" dirty="0">
+                <a:solidFill>
+                  <a:schemeClr val="dk1"/>
+                </a:solidFill>
+              </a:rPr>
+              <a:t>.</a:t>
+            </a:r>
+            <a:endParaRPr sz="900" dirty="0">
               <a:latin typeface="Helvetica Neue"/>
               <a:ea typeface="Helvetica Neue"/>
               <a:cs typeface="Helvetica Neue"/>
@@ -12958,14 +13444,182 @@
               <a:buChar char="●"/>
             </a:pPr>
             <a:r>
-              <a:rPr lang="en-US" sz="5100">
-                <a:solidFill>
-                  <a:schemeClr val="dk1"/>
-                </a:solidFill>
-              </a:rPr>
-              <a:t>Estructurar de forma eficaz, sencilla y dinámica la forma en que se brinda la información mediante la utilización de funciones interactivas. </a:t>
-            </a:r>
-            <a:endParaRPr sz="1000">
+              <a:rPr lang="en-US" sz="5100" dirty="0" err="1">
+                <a:solidFill>
+                  <a:schemeClr val="dk1"/>
+                </a:solidFill>
+              </a:rPr>
+              <a:t>Estructurar</a:t>
+            </a:r>
+            <a:r>
+              <a:rPr lang="en-US" sz="5100" dirty="0">
+                <a:solidFill>
+                  <a:schemeClr val="dk1"/>
+                </a:solidFill>
+              </a:rPr>
+              <a:t> de forma </a:t>
+            </a:r>
+            <a:r>
+              <a:rPr lang="en-US" sz="5100" dirty="0" err="1">
+                <a:solidFill>
+                  <a:schemeClr val="dk1"/>
+                </a:solidFill>
+              </a:rPr>
+              <a:t>eficaz</a:t>
+            </a:r>
+            <a:r>
+              <a:rPr lang="en-US" sz="5100" dirty="0">
+                <a:solidFill>
+                  <a:schemeClr val="dk1"/>
+                </a:solidFill>
+              </a:rPr>
+              <a:t>, </a:t>
+            </a:r>
+            <a:r>
+              <a:rPr lang="en-US" sz="5100" dirty="0" err="1">
+                <a:solidFill>
+                  <a:schemeClr val="dk1"/>
+                </a:solidFill>
+              </a:rPr>
+              <a:t>sencilla</a:t>
+            </a:r>
+            <a:r>
+              <a:rPr lang="en-US" sz="5100" dirty="0">
+                <a:solidFill>
+                  <a:schemeClr val="dk1"/>
+                </a:solidFill>
+              </a:rPr>
+              <a:t> y </a:t>
+            </a:r>
+            <a:r>
+              <a:rPr lang="en-US" sz="5100" dirty="0" err="1">
+                <a:solidFill>
+                  <a:schemeClr val="dk1"/>
+                </a:solidFill>
+              </a:rPr>
+              <a:t>dinámica</a:t>
+            </a:r>
+            <a:r>
+              <a:rPr lang="en-US" sz="5100" dirty="0">
+                <a:solidFill>
+                  <a:schemeClr val="dk1"/>
+                </a:solidFill>
+              </a:rPr>
+              <a:t> la forma </a:t>
+            </a:r>
+            <a:r>
+              <a:rPr lang="en-US" sz="5100" dirty="0" err="1">
+                <a:solidFill>
+                  <a:schemeClr val="dk1"/>
+                </a:solidFill>
+              </a:rPr>
+              <a:t>en</a:t>
+            </a:r>
+            <a:r>
+              <a:rPr lang="en-US" sz="5100" dirty="0">
+                <a:solidFill>
+                  <a:schemeClr val="dk1"/>
+                </a:solidFill>
+              </a:rPr>
+              <a:t> que se </a:t>
+            </a:r>
+            <a:r>
+              <a:rPr lang="en-US" sz="5100" dirty="0" err="1">
+                <a:solidFill>
+                  <a:schemeClr val="dk1"/>
+                </a:solidFill>
+              </a:rPr>
+              <a:t>brinda</a:t>
+            </a:r>
+            <a:r>
+              <a:rPr lang="en-US" sz="5100" dirty="0">
+                <a:solidFill>
+                  <a:schemeClr val="dk1"/>
+                </a:solidFill>
+              </a:rPr>
+              <a:t> la </a:t>
+            </a:r>
+            <a:r>
+              <a:rPr lang="en-US" sz="5100" dirty="0" err="1">
+                <a:solidFill>
+                  <a:schemeClr val="dk1"/>
+                </a:solidFill>
+              </a:rPr>
+              <a:t>información</a:t>
+            </a:r>
+            <a:r>
+              <a:rPr lang="en-US" sz="5100" dirty="0">
+                <a:solidFill>
+                  <a:schemeClr val="dk1"/>
+                </a:solidFill>
+              </a:rPr>
+              <a:t> </a:t>
+            </a:r>
+            <a:r>
+              <a:rPr lang="en-US" sz="5100" dirty="0" err="1">
+                <a:solidFill>
+                  <a:schemeClr val="dk1"/>
+                </a:solidFill>
+              </a:rPr>
+              <a:t>mediante</a:t>
+            </a:r>
+            <a:r>
+              <a:rPr lang="en-US" sz="5100" dirty="0">
+                <a:solidFill>
+                  <a:schemeClr val="dk1"/>
+                </a:solidFill>
+              </a:rPr>
+              <a:t> la </a:t>
+            </a:r>
+            <a:r>
+              <a:rPr lang="en-US" sz="5100" dirty="0" err="1">
+                <a:solidFill>
+                  <a:schemeClr val="dk1"/>
+                </a:solidFill>
+              </a:rPr>
+              <a:t>utilización</a:t>
+            </a:r>
+            <a:r>
+              <a:rPr lang="en-US" sz="5100" dirty="0">
+                <a:solidFill>
+                  <a:schemeClr val="dk1"/>
+                </a:solidFill>
+              </a:rPr>
+              <a:t> de </a:t>
+            </a:r>
+            <a:r>
+              <a:rPr lang="en-US" sz="5100" dirty="0" err="1">
+                <a:solidFill>
+                  <a:schemeClr val="dk1"/>
+                </a:solidFill>
+              </a:rPr>
+              <a:t>funciones</a:t>
+            </a:r>
+            <a:r>
+              <a:rPr lang="en-US" sz="5100" dirty="0">
+                <a:solidFill>
+                  <a:schemeClr val="dk1"/>
+                </a:solidFill>
+              </a:rPr>
+              <a:t> </a:t>
+            </a:r>
+            <a:r>
+              <a:rPr lang="en-US" sz="5100" dirty="0" err="1">
+                <a:solidFill>
+                  <a:schemeClr val="dk1"/>
+                </a:solidFill>
+              </a:rPr>
+              <a:t>interactivas</a:t>
+            </a:r>
+            <a:r>
+              <a:rPr lang="en-US" sz="5100" dirty="0">
+                <a:solidFill>
+                  <a:schemeClr val="dk1"/>
+                </a:solidFill>
+              </a:rPr>
+              <a:t>. </a:t>
+            </a:r>
+            <a:endParaRPr sz="1000" dirty="0">
               <a:latin typeface="Helvetica Neue"/>
               <a:ea typeface="Helvetica Neue"/>
               <a:cs typeface="Helvetica Neue"/>
@@ -13709,6 +14363,389 @@
 </file>
 
 <file path=ppt/slides/slide12.xml><?xml version="1.0" encoding="utf-8"?>
+<p:sld xmlns:a="http://schemas.openxmlformats.org/drawingml/2006/main" xmlns:r="http://schemas.openxmlformats.org/officeDocument/2006/relationships" xmlns:p="http://schemas.openxmlformats.org/presentationml/2006/main">
+  <p:cSld>
+    <p:bg>
+      <p:bgPr>
+        <a:blipFill>
+          <a:blip r:embed="rId3">
+            <a:alphaModFix/>
+          </a:blip>
+          <a:stretch>
+            <a:fillRect/>
+          </a:stretch>
+        </a:blipFill>
+        <a:effectLst/>
+      </p:bgPr>
+    </p:bg>
+    <p:spTree>
+      <p:nvGrpSpPr>
+        <p:cNvPr id="1" name="Shape 139"/>
+        <p:cNvGrpSpPr/>
+        <p:nvPr/>
+      </p:nvGrpSpPr>
+      <p:grpSpPr>
+        <a:xfrm>
+          <a:off x="0" y="0"/>
+          <a:ext cx="0" cy="0"/>
+          <a:chOff x="0" y="0"/>
+          <a:chExt cx="0" cy="0"/>
+        </a:xfrm>
+      </p:grpSpPr>
+      <p:sp>
+        <p:nvSpPr>
+          <p:cNvPr id="140" name="Google Shape;140;gcf145aebea_1_5"/>
+          <p:cNvSpPr txBox="1"/>
+          <p:nvPr/>
+        </p:nvSpPr>
+        <p:spPr>
+          <a:xfrm>
+            <a:off x="1134850" y="1470025"/>
+            <a:ext cx="19852500" cy="2713500"/>
+          </a:xfrm>
+          <a:prstGeom prst="rect">
+            <a:avLst/>
+          </a:prstGeom>
+          <a:noFill/>
+          <a:ln>
+            <a:noFill/>
+          </a:ln>
+        </p:spPr>
+        <p:txBody>
+          <a:bodyPr spcFirstLastPara="1" wrap="square" lIns="71425" tIns="71425" rIns="71425" bIns="71425" anchor="b" anchorCtr="0">
+            <a:noAutofit/>
+          </a:bodyPr>
+          <a:lstStyle/>
+          <a:p>
+            <a:pPr marL="38100" marR="38100" lvl="0" indent="12700" algn="l" rtl="0">
+              <a:lnSpc>
+                <a:spcPct val="80000"/>
+              </a:lnSpc>
+              <a:spcBef>
+                <a:spcPts val="0"/>
+              </a:spcBef>
+              <a:spcAft>
+                <a:spcPts val="0"/>
+              </a:spcAft>
+              <a:buClr>
+                <a:srgbClr val="FFFFFF"/>
+              </a:buClr>
+              <a:buSzPts val="10000"/>
+              <a:buFont typeface="Calibri"/>
+              <a:buNone/>
+            </a:pPr>
+            <a:r>
+              <a:rPr lang="en-US" sz="10000" b="1" i="0" u="none" strike="noStrike" cap="none">
+                <a:solidFill>
+                  <a:srgbClr val="FFFFFF"/>
+                </a:solidFill>
+                <a:latin typeface="Calibri"/>
+                <a:ea typeface="Calibri"/>
+                <a:cs typeface="Calibri"/>
+                <a:sym typeface="Calibri"/>
+              </a:rPr>
+              <a:t>S</a:t>
+            </a:r>
+            <a:r>
+              <a:rPr lang="en-US" sz="10000" b="1">
+                <a:solidFill>
+                  <a:srgbClr val="FFFFFF"/>
+                </a:solidFill>
+                <a:latin typeface="Calibri"/>
+                <a:ea typeface="Calibri"/>
+                <a:cs typeface="Calibri"/>
+                <a:sym typeface="Calibri"/>
+              </a:rPr>
+              <a:t>istema </a:t>
+            </a:r>
+            <a:r>
+              <a:rPr lang="en-US" sz="10000" b="1" i="0" u="none" strike="noStrike" cap="none">
+                <a:solidFill>
+                  <a:srgbClr val="FFFFFF"/>
+                </a:solidFill>
+                <a:latin typeface="Calibri"/>
+                <a:ea typeface="Calibri"/>
+                <a:cs typeface="Calibri"/>
+                <a:sym typeface="Calibri"/>
+              </a:rPr>
+              <a:t>O</a:t>
+            </a:r>
+            <a:r>
+              <a:rPr lang="en-US" sz="10000" b="1">
+                <a:solidFill>
+                  <a:srgbClr val="FFFFFF"/>
+                </a:solidFill>
+                <a:latin typeface="Calibri"/>
+                <a:ea typeface="Calibri"/>
+                <a:cs typeface="Calibri"/>
+                <a:sym typeface="Calibri"/>
+              </a:rPr>
+              <a:t>rganizacional </a:t>
+            </a:r>
+            <a:r>
+              <a:rPr lang="en-US" sz="10000" b="1" i="0" u="none" strike="noStrike" cap="none">
+                <a:solidFill>
+                  <a:srgbClr val="FFFFFF"/>
+                </a:solidFill>
+                <a:latin typeface="Calibri"/>
+                <a:ea typeface="Calibri"/>
+                <a:cs typeface="Calibri"/>
+                <a:sym typeface="Calibri"/>
+              </a:rPr>
+              <a:t>E</a:t>
+            </a:r>
+            <a:r>
+              <a:rPr lang="en-US" sz="10000" b="1">
+                <a:solidFill>
+                  <a:srgbClr val="FFFFFF"/>
+                </a:solidFill>
+                <a:latin typeface="Calibri"/>
+                <a:ea typeface="Calibri"/>
+                <a:cs typeface="Calibri"/>
+                <a:sym typeface="Calibri"/>
+              </a:rPr>
+              <a:t>ducativo SOE</a:t>
+            </a:r>
+            <a:endParaRPr sz="10000" b="1" i="0" u="none" strike="noStrike" cap="none">
+              <a:solidFill>
+                <a:srgbClr val="FFFFFF"/>
+              </a:solidFill>
+              <a:latin typeface="Calibri"/>
+              <a:ea typeface="Calibri"/>
+              <a:cs typeface="Calibri"/>
+              <a:sym typeface="Calibri"/>
+            </a:endParaRPr>
+          </a:p>
+          <a:p>
+            <a:pPr marL="38100" marR="38100" lvl="0" indent="12700" algn="ctr" rtl="0">
+              <a:lnSpc>
+                <a:spcPct val="80000"/>
+              </a:lnSpc>
+              <a:spcBef>
+                <a:spcPts val="0"/>
+              </a:spcBef>
+              <a:spcAft>
+                <a:spcPts val="0"/>
+              </a:spcAft>
+              <a:buClr>
+                <a:srgbClr val="FFFFFF"/>
+              </a:buClr>
+              <a:buSzPts val="10000"/>
+              <a:buFont typeface="Calibri"/>
+              <a:buNone/>
+            </a:pPr>
+            <a:endParaRPr sz="10000" b="1">
+              <a:solidFill>
+                <a:srgbClr val="FFFFFF"/>
+              </a:solidFill>
+              <a:latin typeface="Calibri"/>
+              <a:ea typeface="Calibri"/>
+              <a:cs typeface="Calibri"/>
+              <a:sym typeface="Calibri"/>
+            </a:endParaRPr>
+          </a:p>
+        </p:txBody>
+      </p:sp>
+      <p:sp>
+        <p:nvSpPr>
+          <p:cNvPr id="141" name="Google Shape;141;gcf145aebea_1_5"/>
+          <p:cNvSpPr/>
+          <p:nvPr/>
+        </p:nvSpPr>
+        <p:spPr>
+          <a:xfrm>
+            <a:off x="1134842" y="2777423"/>
+            <a:ext cx="1033500" cy="98700"/>
+          </a:xfrm>
+          <a:prstGeom prst="rect">
+            <a:avLst/>
+          </a:prstGeom>
+          <a:solidFill>
+            <a:srgbClr val="FFFFFF"/>
+          </a:solidFill>
+          <a:ln>
+            <a:noFill/>
+          </a:ln>
+        </p:spPr>
+        <p:txBody>
+          <a:bodyPr spcFirstLastPara="1" wrap="square" lIns="71425" tIns="71425" rIns="71425" bIns="71425" anchor="ctr" anchorCtr="0">
+            <a:noAutofit/>
+          </a:bodyPr>
+          <a:lstStyle/>
+          <a:p>
+            <a:pPr marL="0" marR="0" lvl="0" indent="0" algn="ctr" rtl="0">
+              <a:lnSpc>
+                <a:spcPct val="100000"/>
+              </a:lnSpc>
+              <a:spcBef>
+                <a:spcPts val="0"/>
+              </a:spcBef>
+              <a:spcAft>
+                <a:spcPts val="0"/>
+              </a:spcAft>
+              <a:buClr>
+                <a:srgbClr val="FFFFFF"/>
+              </a:buClr>
+              <a:buSzPts val="3600"/>
+              <a:buFont typeface="Helvetica Neue"/>
+              <a:buNone/>
+            </a:pPr>
+            <a:endParaRPr sz="3600" b="1" i="0" u="none" strike="noStrike" cap="none">
+              <a:solidFill>
+                <a:srgbClr val="FFFFFF"/>
+              </a:solidFill>
+              <a:latin typeface="Helvetica Neue"/>
+              <a:ea typeface="Helvetica Neue"/>
+              <a:cs typeface="Helvetica Neue"/>
+              <a:sym typeface="Helvetica Neue"/>
+            </a:endParaRPr>
+          </a:p>
+        </p:txBody>
+      </p:sp>
+      <p:sp>
+        <p:nvSpPr>
+          <p:cNvPr id="145" name="Google Shape;145;gcf145aebea_1_5"/>
+          <p:cNvSpPr txBox="1"/>
+          <p:nvPr/>
+        </p:nvSpPr>
+        <p:spPr>
+          <a:xfrm>
+            <a:off x="5932967" y="3480165"/>
+            <a:ext cx="12421810" cy="1246465"/>
+          </a:xfrm>
+          <a:prstGeom prst="rect">
+            <a:avLst/>
+          </a:prstGeom>
+          <a:noFill/>
+          <a:ln>
+            <a:noFill/>
+          </a:ln>
+        </p:spPr>
+        <p:txBody>
+          <a:bodyPr spcFirstLastPara="1" wrap="square" lIns="91425" tIns="91425" rIns="91425" bIns="91425" anchor="t" anchorCtr="0">
+            <a:spAutoFit/>
+          </a:bodyPr>
+          <a:lstStyle/>
+          <a:p>
+            <a:pPr marL="0" lvl="0" indent="0" algn="l" rtl="0">
+              <a:lnSpc>
+                <a:spcPct val="115000"/>
+              </a:lnSpc>
+              <a:spcBef>
+                <a:spcPts val="0"/>
+              </a:spcBef>
+              <a:spcAft>
+                <a:spcPts val="0"/>
+              </a:spcAft>
+              <a:buClr>
+                <a:schemeClr val="dk1"/>
+              </a:buClr>
+              <a:buSzPts val="1100"/>
+              <a:buFont typeface="Arial"/>
+              <a:buNone/>
+            </a:pPr>
+            <a:r>
+              <a:rPr lang="en-US" sz="6000" b="1" dirty="0">
+                <a:solidFill>
+                  <a:schemeClr val="dk1"/>
+                </a:solidFill>
+              </a:rPr>
+              <a:t>Levantamiento de Información:</a:t>
+            </a:r>
+            <a:endParaRPr dirty="0">
+              <a:latin typeface="Helvetica Neue"/>
+              <a:ea typeface="Helvetica Neue"/>
+              <a:cs typeface="Helvetica Neue"/>
+              <a:sym typeface="Helvetica Neue"/>
+            </a:endParaRPr>
+          </a:p>
+        </p:txBody>
+      </p:sp>
+      <p:pic>
+        <p:nvPicPr>
+          <p:cNvPr id="3" name="Imagen 2">
+            <a:extLst>
+              <a:ext uri="{FF2B5EF4-FFF2-40B4-BE49-F238E27FC236}">
+                <a16:creationId xmlns:a16="http://schemas.microsoft.com/office/drawing/2014/main" id="{2CA61B38-9FA6-4260-AE0E-81DE55842D32}"/>
+              </a:ext>
+            </a:extLst>
+          </p:cNvPr>
+          <p:cNvPicPr>
+            <a:picLocks noChangeAspect="1"/>
+          </p:cNvPicPr>
+          <p:nvPr/>
+        </p:nvPicPr>
+        <p:blipFill>
+          <a:blip r:embed="rId4"/>
+          <a:stretch>
+            <a:fillRect/>
+          </a:stretch>
+        </p:blipFill>
+        <p:spPr>
+          <a:xfrm>
+            <a:off x="5263568" y="4420458"/>
+            <a:ext cx="12836028" cy="10805754"/>
+          </a:xfrm>
+          <a:prstGeom prst="rect">
+            <a:avLst/>
+          </a:prstGeom>
+        </p:spPr>
+      </p:pic>
+      <p:sp>
+        <p:nvSpPr>
+          <p:cNvPr id="4" name="CuadroTexto 3">
+            <a:extLst>
+              <a:ext uri="{FF2B5EF4-FFF2-40B4-BE49-F238E27FC236}">
+                <a16:creationId xmlns:a16="http://schemas.microsoft.com/office/drawing/2014/main" id="{93B9E402-E232-4A71-808D-94276C5ED801}"/>
+              </a:ext>
+            </a:extLst>
+          </p:cNvPr>
+          <p:cNvSpPr txBox="1"/>
+          <p:nvPr/>
+        </p:nvSpPr>
+        <p:spPr>
+          <a:xfrm>
+            <a:off x="10869457" y="15226212"/>
+            <a:ext cx="14460277" cy="707886"/>
+          </a:xfrm>
+          <a:prstGeom prst="rect">
+            <a:avLst/>
+          </a:prstGeom>
+          <a:noFill/>
+        </p:spPr>
+        <p:txBody>
+          <a:bodyPr wrap="square" rtlCol="0">
+            <a:spAutoFit/>
+          </a:bodyPr>
+          <a:lstStyle/>
+          <a:p>
+            <a:r>
+              <a:rPr lang="es-CO" sz="2000" dirty="0">
+                <a:hlinkClick r:id="rId5"/>
+              </a:rPr>
+              <a:t>https://docs.google.com/document/d/1XGL_AVxF3KaETeXnw3GAsRBHMyn9g89ZFS9OyNxZ7xY/edit?usp=sharing</a:t>
+            </a:r>
+            <a:endParaRPr lang="es-CO" sz="2000" dirty="0"/>
+          </a:p>
+          <a:p>
+            <a:endParaRPr lang="es-CO" sz="2000" dirty="0"/>
+          </a:p>
+        </p:txBody>
+      </p:sp>
+    </p:spTree>
+    <p:extLst>
+      <p:ext uri="{BB962C8B-B14F-4D97-AF65-F5344CB8AC3E}">
+        <p14:creationId xmlns:p14="http://schemas.microsoft.com/office/powerpoint/2010/main" val="560068256"/>
+      </p:ext>
+    </p:extLst>
+  </p:cSld>
+  <p:clrMapOvr>
+    <a:masterClrMapping/>
+  </p:clrMapOvr>
+</p:sld>
+</file>
+
+<file path=ppt/slides/slide13.xml><?xml version="1.0" encoding="utf-8"?>
 <p:sld xmlns:a="http://schemas.openxmlformats.org/drawingml/2006/main" xmlns:r="http://schemas.openxmlformats.org/officeDocument/2006/relationships" xmlns:p="http://schemas.openxmlformats.org/presentationml/2006/main">
   <p:cSld>
     <p:bg>
@@ -14013,8 +15050,8 @@
         </p:nvSpPr>
         <p:spPr>
           <a:xfrm>
-            <a:off x="3852375" y="8495025"/>
-            <a:ext cx="18098100" cy="2205300"/>
+            <a:off x="3216859" y="8996650"/>
+            <a:ext cx="19369132" cy="2205300"/>
           </a:xfrm>
           <a:prstGeom prst="rect">
             <a:avLst/>
@@ -14045,7 +15082,7 @@
               <a:buNone/>
             </a:pPr>
             <a:r>
-              <a:rPr lang="en-US" sz="7200" b="1">
+              <a:rPr lang="en-US" sz="7200" b="1" dirty="0">
                 <a:solidFill>
                   <a:srgbClr val="434343"/>
                 </a:solidFill>
@@ -14057,7 +15094,7 @@
               <a:t>Instructor:</a:t>
             </a:r>
             <a:br>
-              <a:rPr lang="en-US" sz="7200" b="1">
+              <a:rPr lang="en-US" sz="7200" b="1" dirty="0">
                 <a:solidFill>
                   <a:srgbClr val="434343"/>
                 </a:solidFill>
@@ -14068,7 +15105,7 @@
               </a:rPr>
             </a:br>
             <a:r>
-              <a:rPr lang="en-US" sz="7200" b="1">
+              <a:rPr lang="en-US" sz="7200" b="1" dirty="0">
                 <a:solidFill>
                   <a:srgbClr val="434343"/>
                 </a:solidFill>
@@ -14077,9 +15114,9 @@
                 <a:cs typeface="Calibri"/>
                 <a:sym typeface="Calibri"/>
               </a:rPr>
-              <a:t>Demetrio Mauricio Estupiñan Fino</a:t>
-            </a:r>
-            <a:endParaRPr sz="7200" b="0" i="0" u="none" strike="noStrike" cap="none">
+              <a:t>RICARDO AUGUSTO CASTELBLANCO SEPULVEDA</a:t>
+            </a:r>
+            <a:endParaRPr sz="7200" b="0" i="0" u="none" strike="noStrike" cap="none" dirty="0">
               <a:solidFill>
                 <a:srgbClr val="434343"/>
               </a:solidFill>
@@ -15420,14 +16457,302 @@
               <a:buNone/>
             </a:pPr>
             <a:r>
-              <a:rPr lang="en-US" sz="6000">
-                <a:solidFill>
-                  <a:schemeClr val="dk1"/>
-                </a:solidFill>
-              </a:rPr>
-              <a:t>¿Cómo las instituciones manejan la información académica y personal de los estudiantes, profesores y secretaría para su visualización y uso mediante las plataformas virtuales en tiempos de pandemia y digitalización?</a:t>
-            </a:r>
-            <a:endParaRPr sz="6000" b="1">
+              <a:rPr lang="en-US" sz="6000" dirty="0">
+                <a:solidFill>
+                  <a:schemeClr val="dk1"/>
+                </a:solidFill>
+              </a:rPr>
+              <a:t>¿</a:t>
+            </a:r>
+            <a:r>
+              <a:rPr lang="en-US" sz="6000" dirty="0" err="1">
+                <a:solidFill>
+                  <a:schemeClr val="dk1"/>
+                </a:solidFill>
+              </a:rPr>
+              <a:t>Cómo</a:t>
+            </a:r>
+            <a:r>
+              <a:rPr lang="en-US" sz="6000" dirty="0">
+                <a:solidFill>
+                  <a:schemeClr val="dk1"/>
+                </a:solidFill>
+              </a:rPr>
+              <a:t> las </a:t>
+            </a:r>
+            <a:r>
+              <a:rPr lang="en-US" sz="6000" dirty="0" err="1">
+                <a:solidFill>
+                  <a:schemeClr val="dk1"/>
+                </a:solidFill>
+              </a:rPr>
+              <a:t>instituciones</a:t>
+            </a:r>
+            <a:r>
+              <a:rPr lang="en-US" sz="6000" dirty="0">
+                <a:solidFill>
+                  <a:schemeClr val="dk1"/>
+                </a:solidFill>
+              </a:rPr>
+              <a:t> </a:t>
+            </a:r>
+            <a:r>
+              <a:rPr lang="en-US" sz="6000" dirty="0" err="1">
+                <a:solidFill>
+                  <a:schemeClr val="dk1"/>
+                </a:solidFill>
+              </a:rPr>
+              <a:t>manejan</a:t>
+            </a:r>
+            <a:r>
+              <a:rPr lang="en-US" sz="6000" dirty="0">
+                <a:solidFill>
+                  <a:schemeClr val="dk1"/>
+                </a:solidFill>
+              </a:rPr>
+              <a:t> la </a:t>
+            </a:r>
+            <a:r>
+              <a:rPr lang="en-US" sz="6000" dirty="0" err="1">
+                <a:solidFill>
+                  <a:schemeClr val="dk1"/>
+                </a:solidFill>
+              </a:rPr>
+              <a:t>información</a:t>
+            </a:r>
+            <a:r>
+              <a:rPr lang="en-US" sz="6000" dirty="0">
+                <a:solidFill>
+                  <a:schemeClr val="dk1"/>
+                </a:solidFill>
+              </a:rPr>
+              <a:t> </a:t>
+            </a:r>
+            <a:r>
+              <a:rPr lang="en-US" sz="6000" dirty="0" err="1">
+                <a:solidFill>
+                  <a:schemeClr val="dk1"/>
+                </a:solidFill>
+              </a:rPr>
+              <a:t>académica</a:t>
+            </a:r>
+            <a:r>
+              <a:rPr lang="en-US" sz="6000" dirty="0">
+                <a:solidFill>
+                  <a:schemeClr val="dk1"/>
+                </a:solidFill>
+              </a:rPr>
+              <a:t> y personal de los </a:t>
+            </a:r>
+            <a:r>
+              <a:rPr lang="en-US" sz="6000" dirty="0" err="1">
+                <a:solidFill>
+                  <a:schemeClr val="dk1"/>
+                </a:solidFill>
+              </a:rPr>
+              <a:t>estudiantes</a:t>
+            </a:r>
+            <a:r>
+              <a:rPr lang="en-US" sz="6000" dirty="0">
+                <a:solidFill>
+                  <a:schemeClr val="dk1"/>
+                </a:solidFill>
+              </a:rPr>
+              <a:t>, </a:t>
+            </a:r>
+            <a:r>
+              <a:rPr lang="en-US" sz="6000" dirty="0" err="1">
+                <a:solidFill>
+                  <a:schemeClr val="dk1"/>
+                </a:solidFill>
+              </a:rPr>
+              <a:t>profesores</a:t>
+            </a:r>
+            <a:r>
+              <a:rPr lang="en-US" sz="6000" dirty="0">
+                <a:solidFill>
+                  <a:schemeClr val="dk1"/>
+                </a:solidFill>
+              </a:rPr>
+              <a:t> y </a:t>
+            </a:r>
+            <a:r>
+              <a:rPr lang="en-US" sz="6000" dirty="0" err="1">
+                <a:solidFill>
+                  <a:schemeClr val="dk1"/>
+                </a:solidFill>
+              </a:rPr>
+              <a:t>secretaría</a:t>
+            </a:r>
+            <a:r>
+              <a:rPr lang="en-US" sz="6000" dirty="0">
+                <a:solidFill>
+                  <a:schemeClr val="dk1"/>
+                </a:solidFill>
+              </a:rPr>
+              <a:t> para </a:t>
+            </a:r>
+            <a:r>
+              <a:rPr lang="en-US" sz="6000" dirty="0" err="1">
+                <a:solidFill>
+                  <a:schemeClr val="dk1"/>
+                </a:solidFill>
+              </a:rPr>
+              <a:t>su</a:t>
+            </a:r>
+            <a:r>
+              <a:rPr lang="en-US" sz="6000" dirty="0">
+                <a:solidFill>
+                  <a:schemeClr val="dk1"/>
+                </a:solidFill>
+              </a:rPr>
+              <a:t> </a:t>
+            </a:r>
+            <a:r>
+              <a:rPr lang="en-US" sz="6000" dirty="0" err="1">
+                <a:solidFill>
+                  <a:schemeClr val="dk1"/>
+                </a:solidFill>
+              </a:rPr>
+              <a:t>visualización</a:t>
+            </a:r>
+            <a:r>
+              <a:rPr lang="en-US" sz="6000" dirty="0">
+                <a:solidFill>
+                  <a:schemeClr val="dk1"/>
+                </a:solidFill>
+              </a:rPr>
+              <a:t> y </a:t>
+            </a:r>
+            <a:r>
+              <a:rPr lang="en-US" sz="6000" dirty="0" err="1">
+                <a:solidFill>
+                  <a:schemeClr val="dk1"/>
+                </a:solidFill>
+              </a:rPr>
+              <a:t>uso</a:t>
+            </a:r>
+            <a:r>
+              <a:rPr lang="en-US" sz="6000" dirty="0">
+                <a:solidFill>
+                  <a:schemeClr val="dk1"/>
+                </a:solidFill>
+              </a:rPr>
+              <a:t> </a:t>
+            </a:r>
+            <a:r>
+              <a:rPr lang="en-US" sz="6000" dirty="0" err="1">
+                <a:solidFill>
+                  <a:schemeClr val="dk1"/>
+                </a:solidFill>
+              </a:rPr>
+              <a:t>mediante</a:t>
+            </a:r>
+            <a:r>
+              <a:rPr lang="en-US" sz="6000" dirty="0">
+                <a:solidFill>
+                  <a:schemeClr val="dk1"/>
+                </a:solidFill>
+              </a:rPr>
+              <a:t> las </a:t>
+            </a:r>
+            <a:r>
+              <a:rPr lang="en-US" sz="6000" dirty="0" err="1">
+                <a:solidFill>
+                  <a:schemeClr val="dk1"/>
+                </a:solidFill>
+              </a:rPr>
+              <a:t>plataformas</a:t>
+            </a:r>
+            <a:r>
+              <a:rPr lang="en-US" sz="6000" dirty="0">
+                <a:solidFill>
+                  <a:schemeClr val="dk1"/>
+                </a:solidFill>
+              </a:rPr>
+              <a:t> </a:t>
+            </a:r>
+            <a:r>
+              <a:rPr lang="en-US" sz="6000" dirty="0" err="1">
+                <a:solidFill>
+                  <a:schemeClr val="dk1"/>
+                </a:solidFill>
+              </a:rPr>
+              <a:t>virtuales</a:t>
+            </a:r>
+            <a:r>
+              <a:rPr lang="en-US" sz="6000" dirty="0">
+                <a:solidFill>
+                  <a:schemeClr val="dk1"/>
+                </a:solidFill>
+              </a:rPr>
+              <a:t> </a:t>
+            </a:r>
+            <a:r>
+              <a:rPr lang="en-US" sz="6000" dirty="0" err="1">
+                <a:solidFill>
+                  <a:schemeClr val="dk1"/>
+                </a:solidFill>
+              </a:rPr>
+              <a:t>en</a:t>
+            </a:r>
+            <a:r>
+              <a:rPr lang="en-US" sz="6000" dirty="0">
+                <a:solidFill>
+                  <a:schemeClr val="dk1"/>
+                </a:solidFill>
+              </a:rPr>
+              <a:t> </a:t>
+            </a:r>
+            <a:r>
+              <a:rPr lang="en-US" sz="6000" dirty="0" err="1">
+                <a:solidFill>
+                  <a:schemeClr val="dk1"/>
+                </a:solidFill>
+              </a:rPr>
+              <a:t>tiempos</a:t>
+            </a:r>
+            <a:r>
+              <a:rPr lang="en-US" sz="6000" dirty="0">
+                <a:solidFill>
+                  <a:schemeClr val="dk1"/>
+                </a:solidFill>
+              </a:rPr>
+              <a:t> de </a:t>
+            </a:r>
+            <a:r>
+              <a:rPr lang="en-US" sz="6000" dirty="0" err="1">
+                <a:solidFill>
+                  <a:schemeClr val="dk1"/>
+                </a:solidFill>
+              </a:rPr>
+              <a:t>pandemia</a:t>
+            </a:r>
+            <a:r>
+              <a:rPr lang="en-US" sz="6000" dirty="0">
+                <a:solidFill>
+                  <a:schemeClr val="dk1"/>
+                </a:solidFill>
+              </a:rPr>
+              <a:t> y </a:t>
+            </a:r>
+            <a:r>
+              <a:rPr lang="en-US" sz="6000" dirty="0" err="1">
+                <a:solidFill>
+                  <a:schemeClr val="dk1"/>
+                </a:solidFill>
+              </a:rPr>
+              <a:t>digitalización</a:t>
+            </a:r>
+            <a:r>
+              <a:rPr lang="en-US" sz="6000" dirty="0">
+                <a:solidFill>
+                  <a:schemeClr val="dk1"/>
+                </a:solidFill>
+              </a:rPr>
+              <a:t>?</a:t>
+            </a:r>
+            <a:endParaRPr sz="6000" b="1" dirty="0">
               <a:solidFill>
                 <a:schemeClr val="dk1"/>
               </a:solidFill>
@@ -15443,7 +16768,7 @@
               </a:spcAft>
               <a:buNone/>
             </a:pPr>
-            <a:endParaRPr>
+            <a:endParaRPr dirty="0">
               <a:latin typeface="Helvetica Neue"/>
               <a:ea typeface="Helvetica Neue"/>
               <a:cs typeface="Helvetica Neue"/>
@@ -15796,14 +17121,734 @@
               <a:buNone/>
             </a:pPr>
             <a:r>
-              <a:rPr lang="en-US" sz="6000">
-                <a:solidFill>
-                  <a:schemeClr val="dk1"/>
-                </a:solidFill>
-              </a:rPr>
-              <a:t>SOE permitirá obtener una administración de datos eficiente y sencilla la cual gestionará diferentes ámbitos del espacio estudiantil, donde profesores, estudiantes y directivos podrán ver y administrar dicha información, como lo es horarios, matriculas, información pública, circulares informativas, eventos especiales, etc. Está en una base de datos estable con buen rendimiento, donde exista registro de usuarios e inicios correspondientes para cada participante, con los distintos accesos de información.</a:t>
-            </a:r>
-            <a:endParaRPr>
+              <a:rPr lang="en-US" sz="6000" dirty="0">
+                <a:solidFill>
+                  <a:schemeClr val="dk1"/>
+                </a:solidFill>
+              </a:rPr>
+              <a:t>SOE </a:t>
+            </a:r>
+            <a:r>
+              <a:rPr lang="en-US" sz="6000" dirty="0" err="1">
+                <a:solidFill>
+                  <a:schemeClr val="dk1"/>
+                </a:solidFill>
+              </a:rPr>
+              <a:t>permitirá</a:t>
+            </a:r>
+            <a:r>
+              <a:rPr lang="en-US" sz="6000" dirty="0">
+                <a:solidFill>
+                  <a:schemeClr val="dk1"/>
+                </a:solidFill>
+              </a:rPr>
+              <a:t> </a:t>
+            </a:r>
+            <a:r>
+              <a:rPr lang="en-US" sz="6000" dirty="0" err="1">
+                <a:solidFill>
+                  <a:schemeClr val="dk1"/>
+                </a:solidFill>
+              </a:rPr>
+              <a:t>obtener</a:t>
+            </a:r>
+            <a:r>
+              <a:rPr lang="en-US" sz="6000" dirty="0">
+                <a:solidFill>
+                  <a:schemeClr val="dk1"/>
+                </a:solidFill>
+              </a:rPr>
+              <a:t> una </a:t>
+            </a:r>
+            <a:r>
+              <a:rPr lang="en-US" sz="6000" dirty="0" err="1">
+                <a:solidFill>
+                  <a:schemeClr val="dk1"/>
+                </a:solidFill>
+              </a:rPr>
+              <a:t>administración</a:t>
+            </a:r>
+            <a:r>
+              <a:rPr lang="en-US" sz="6000" dirty="0">
+                <a:solidFill>
+                  <a:schemeClr val="dk1"/>
+                </a:solidFill>
+              </a:rPr>
+              <a:t> de </a:t>
+            </a:r>
+            <a:r>
+              <a:rPr lang="en-US" sz="6000" dirty="0" err="1">
+                <a:solidFill>
+                  <a:schemeClr val="dk1"/>
+                </a:solidFill>
+              </a:rPr>
+              <a:t>datos</a:t>
+            </a:r>
+            <a:r>
+              <a:rPr lang="en-US" sz="6000" dirty="0">
+                <a:solidFill>
+                  <a:schemeClr val="dk1"/>
+                </a:solidFill>
+              </a:rPr>
+              <a:t> </a:t>
+            </a:r>
+            <a:r>
+              <a:rPr lang="en-US" sz="6000" dirty="0" err="1">
+                <a:solidFill>
+                  <a:schemeClr val="dk1"/>
+                </a:solidFill>
+              </a:rPr>
+              <a:t>eficiente</a:t>
+            </a:r>
+            <a:r>
+              <a:rPr lang="en-US" sz="6000" dirty="0">
+                <a:solidFill>
+                  <a:schemeClr val="dk1"/>
+                </a:solidFill>
+              </a:rPr>
+              <a:t> y </a:t>
+            </a:r>
+            <a:r>
+              <a:rPr lang="en-US" sz="6000" dirty="0" err="1">
+                <a:solidFill>
+                  <a:schemeClr val="dk1"/>
+                </a:solidFill>
+              </a:rPr>
+              <a:t>sencilla</a:t>
+            </a:r>
+            <a:r>
+              <a:rPr lang="en-US" sz="6000" dirty="0">
+                <a:solidFill>
+                  <a:schemeClr val="dk1"/>
+                </a:solidFill>
+              </a:rPr>
+              <a:t> la </a:t>
+            </a:r>
+            <a:r>
+              <a:rPr lang="en-US" sz="6000" dirty="0" err="1">
+                <a:solidFill>
+                  <a:schemeClr val="dk1"/>
+                </a:solidFill>
+              </a:rPr>
+              <a:t>cual</a:t>
+            </a:r>
+            <a:r>
+              <a:rPr lang="en-US" sz="6000" dirty="0">
+                <a:solidFill>
+                  <a:schemeClr val="dk1"/>
+                </a:solidFill>
+              </a:rPr>
+              <a:t> </a:t>
+            </a:r>
+            <a:r>
+              <a:rPr lang="en-US" sz="6000" dirty="0" err="1">
+                <a:solidFill>
+                  <a:schemeClr val="dk1"/>
+                </a:solidFill>
+              </a:rPr>
+              <a:t>gestionará</a:t>
+            </a:r>
+            <a:r>
+              <a:rPr lang="en-US" sz="6000" dirty="0">
+                <a:solidFill>
+                  <a:schemeClr val="dk1"/>
+                </a:solidFill>
+              </a:rPr>
+              <a:t> </a:t>
+            </a:r>
+            <a:r>
+              <a:rPr lang="en-US" sz="6000" dirty="0" err="1">
+                <a:solidFill>
+                  <a:schemeClr val="dk1"/>
+                </a:solidFill>
+              </a:rPr>
+              <a:t>diferentes</a:t>
+            </a:r>
+            <a:r>
+              <a:rPr lang="en-US" sz="6000" dirty="0">
+                <a:solidFill>
+                  <a:schemeClr val="dk1"/>
+                </a:solidFill>
+              </a:rPr>
+              <a:t> </a:t>
+            </a:r>
+            <a:r>
+              <a:rPr lang="en-US" sz="6000" dirty="0" err="1">
+                <a:solidFill>
+                  <a:schemeClr val="dk1"/>
+                </a:solidFill>
+              </a:rPr>
+              <a:t>ámbitos</a:t>
+            </a:r>
+            <a:r>
+              <a:rPr lang="en-US" sz="6000" dirty="0">
+                <a:solidFill>
+                  <a:schemeClr val="dk1"/>
+                </a:solidFill>
+              </a:rPr>
+              <a:t> del </a:t>
+            </a:r>
+            <a:r>
+              <a:rPr lang="en-US" sz="6000" dirty="0" err="1">
+                <a:solidFill>
+                  <a:schemeClr val="dk1"/>
+                </a:solidFill>
+              </a:rPr>
+              <a:t>espacio</a:t>
+            </a:r>
+            <a:r>
+              <a:rPr lang="en-US" sz="6000" dirty="0">
+                <a:solidFill>
+                  <a:schemeClr val="dk1"/>
+                </a:solidFill>
+              </a:rPr>
+              <a:t> </a:t>
+            </a:r>
+            <a:r>
+              <a:rPr lang="en-US" sz="6000" dirty="0" err="1">
+                <a:solidFill>
+                  <a:schemeClr val="dk1"/>
+                </a:solidFill>
+              </a:rPr>
+              <a:t>estudiantil</a:t>
+            </a:r>
+            <a:r>
+              <a:rPr lang="en-US" sz="6000" dirty="0">
+                <a:solidFill>
+                  <a:schemeClr val="dk1"/>
+                </a:solidFill>
+              </a:rPr>
+              <a:t>, </a:t>
+            </a:r>
+            <a:r>
+              <a:rPr lang="en-US" sz="6000" dirty="0" err="1">
+                <a:solidFill>
+                  <a:schemeClr val="dk1"/>
+                </a:solidFill>
+              </a:rPr>
+              <a:t>donde</a:t>
+            </a:r>
+            <a:r>
+              <a:rPr lang="en-US" sz="6000" dirty="0">
+                <a:solidFill>
+                  <a:schemeClr val="dk1"/>
+                </a:solidFill>
+              </a:rPr>
+              <a:t> </a:t>
+            </a:r>
+            <a:r>
+              <a:rPr lang="en-US" sz="6000" dirty="0" err="1">
+                <a:solidFill>
+                  <a:schemeClr val="dk1"/>
+                </a:solidFill>
+              </a:rPr>
+              <a:t>profesores</a:t>
+            </a:r>
+            <a:r>
+              <a:rPr lang="en-US" sz="6000" dirty="0">
+                <a:solidFill>
+                  <a:schemeClr val="dk1"/>
+                </a:solidFill>
+              </a:rPr>
+              <a:t>, </a:t>
+            </a:r>
+            <a:r>
+              <a:rPr lang="en-US" sz="6000" dirty="0" err="1">
+                <a:solidFill>
+                  <a:schemeClr val="dk1"/>
+                </a:solidFill>
+              </a:rPr>
+              <a:t>estudiantes</a:t>
+            </a:r>
+            <a:r>
+              <a:rPr lang="en-US" sz="6000" dirty="0">
+                <a:solidFill>
+                  <a:schemeClr val="dk1"/>
+                </a:solidFill>
+              </a:rPr>
+              <a:t> y </a:t>
+            </a:r>
+            <a:r>
+              <a:rPr lang="en-US" sz="6000" dirty="0" err="1">
+                <a:solidFill>
+                  <a:schemeClr val="dk1"/>
+                </a:solidFill>
+              </a:rPr>
+              <a:t>directivos</a:t>
+            </a:r>
+            <a:r>
+              <a:rPr lang="en-US" sz="6000" dirty="0">
+                <a:solidFill>
+                  <a:schemeClr val="dk1"/>
+                </a:solidFill>
+              </a:rPr>
+              <a:t> </a:t>
+            </a:r>
+            <a:r>
+              <a:rPr lang="en-US" sz="6000" dirty="0" err="1">
+                <a:solidFill>
+                  <a:schemeClr val="dk1"/>
+                </a:solidFill>
+              </a:rPr>
+              <a:t>podrán</a:t>
+            </a:r>
+            <a:r>
+              <a:rPr lang="en-US" sz="6000" dirty="0">
+                <a:solidFill>
+                  <a:schemeClr val="dk1"/>
+                </a:solidFill>
+              </a:rPr>
+              <a:t> </a:t>
+            </a:r>
+            <a:r>
+              <a:rPr lang="en-US" sz="6000" dirty="0" err="1">
+                <a:solidFill>
+                  <a:schemeClr val="dk1"/>
+                </a:solidFill>
+              </a:rPr>
+              <a:t>ver</a:t>
+            </a:r>
+            <a:r>
+              <a:rPr lang="en-US" sz="6000" dirty="0">
+                <a:solidFill>
+                  <a:schemeClr val="dk1"/>
+                </a:solidFill>
+              </a:rPr>
+              <a:t> y </a:t>
+            </a:r>
+            <a:r>
+              <a:rPr lang="en-US" sz="6000" dirty="0" err="1">
+                <a:solidFill>
+                  <a:schemeClr val="dk1"/>
+                </a:solidFill>
+              </a:rPr>
+              <a:t>administrar</a:t>
+            </a:r>
+            <a:r>
+              <a:rPr lang="en-US" sz="6000" dirty="0">
+                <a:solidFill>
+                  <a:schemeClr val="dk1"/>
+                </a:solidFill>
+              </a:rPr>
+              <a:t> </a:t>
+            </a:r>
+            <a:r>
+              <a:rPr lang="en-US" sz="6000" dirty="0" err="1">
+                <a:solidFill>
+                  <a:schemeClr val="dk1"/>
+                </a:solidFill>
+              </a:rPr>
+              <a:t>dicha</a:t>
+            </a:r>
+            <a:r>
+              <a:rPr lang="en-US" sz="6000" dirty="0">
+                <a:solidFill>
+                  <a:schemeClr val="dk1"/>
+                </a:solidFill>
+              </a:rPr>
+              <a:t> </a:t>
+            </a:r>
+            <a:r>
+              <a:rPr lang="en-US" sz="6000" dirty="0" err="1">
+                <a:solidFill>
+                  <a:schemeClr val="dk1"/>
+                </a:solidFill>
+              </a:rPr>
+              <a:t>información</a:t>
+            </a:r>
+            <a:r>
+              <a:rPr lang="en-US" sz="6000" dirty="0">
+                <a:solidFill>
+                  <a:schemeClr val="dk1"/>
+                </a:solidFill>
+              </a:rPr>
+              <a:t>, </a:t>
+            </a:r>
+            <a:r>
+              <a:rPr lang="en-US" sz="6000" dirty="0" err="1">
+                <a:solidFill>
+                  <a:schemeClr val="dk1"/>
+                </a:solidFill>
+              </a:rPr>
+              <a:t>como</a:t>
+            </a:r>
+            <a:r>
+              <a:rPr lang="en-US" sz="6000" dirty="0">
+                <a:solidFill>
+                  <a:schemeClr val="dk1"/>
+                </a:solidFill>
+              </a:rPr>
+              <a:t> lo es </a:t>
+            </a:r>
+            <a:r>
+              <a:rPr lang="en-US" sz="6000" dirty="0" err="1">
+                <a:solidFill>
+                  <a:schemeClr val="dk1"/>
+                </a:solidFill>
+              </a:rPr>
+              <a:t>horarios</a:t>
+            </a:r>
+            <a:r>
+              <a:rPr lang="en-US" sz="6000" dirty="0">
+                <a:solidFill>
+                  <a:schemeClr val="dk1"/>
+                </a:solidFill>
+              </a:rPr>
+              <a:t>, matriculas, </a:t>
+            </a:r>
+            <a:r>
+              <a:rPr lang="en-US" sz="6000" dirty="0" err="1">
+                <a:solidFill>
+                  <a:schemeClr val="dk1"/>
+                </a:solidFill>
+              </a:rPr>
+              <a:t>información</a:t>
+            </a:r>
+            <a:r>
+              <a:rPr lang="en-US" sz="6000" dirty="0">
+                <a:solidFill>
+                  <a:schemeClr val="dk1"/>
+                </a:solidFill>
+              </a:rPr>
+              <a:t> </a:t>
+            </a:r>
+            <a:r>
+              <a:rPr lang="en-US" sz="6000" dirty="0" err="1">
+                <a:solidFill>
+                  <a:schemeClr val="dk1"/>
+                </a:solidFill>
+              </a:rPr>
+              <a:t>pública</a:t>
+            </a:r>
+            <a:r>
+              <a:rPr lang="en-US" sz="6000" dirty="0">
+                <a:solidFill>
+                  <a:schemeClr val="dk1"/>
+                </a:solidFill>
+              </a:rPr>
+              <a:t>, circulares </a:t>
+            </a:r>
+            <a:r>
+              <a:rPr lang="en-US" sz="6000" dirty="0" err="1">
+                <a:solidFill>
+                  <a:schemeClr val="dk1"/>
+                </a:solidFill>
+              </a:rPr>
+              <a:t>informativas</a:t>
+            </a:r>
+            <a:r>
+              <a:rPr lang="en-US" sz="6000" dirty="0">
+                <a:solidFill>
+                  <a:schemeClr val="dk1"/>
+                </a:solidFill>
+              </a:rPr>
+              <a:t>, </a:t>
+            </a:r>
+            <a:r>
+              <a:rPr lang="en-US" sz="6000" dirty="0" err="1">
+                <a:solidFill>
+                  <a:schemeClr val="dk1"/>
+                </a:solidFill>
+              </a:rPr>
+              <a:t>eventos</a:t>
+            </a:r>
+            <a:r>
+              <a:rPr lang="en-US" sz="6000" dirty="0">
+                <a:solidFill>
+                  <a:schemeClr val="dk1"/>
+                </a:solidFill>
+              </a:rPr>
+              <a:t> </a:t>
+            </a:r>
+            <a:r>
+              <a:rPr lang="en-US" sz="6000" dirty="0" err="1">
+                <a:solidFill>
+                  <a:schemeClr val="dk1"/>
+                </a:solidFill>
+              </a:rPr>
+              <a:t>especiales</a:t>
+            </a:r>
+            <a:r>
+              <a:rPr lang="en-US" sz="6000" dirty="0">
+                <a:solidFill>
+                  <a:schemeClr val="dk1"/>
+                </a:solidFill>
+              </a:rPr>
+              <a:t>, etc. </a:t>
+            </a:r>
+            <a:r>
+              <a:rPr lang="en-US" sz="6000" dirty="0" err="1">
+                <a:solidFill>
+                  <a:schemeClr val="dk1"/>
+                </a:solidFill>
+              </a:rPr>
+              <a:t>Está</a:t>
+            </a:r>
+            <a:r>
+              <a:rPr lang="en-US" sz="6000" dirty="0">
+                <a:solidFill>
+                  <a:schemeClr val="dk1"/>
+                </a:solidFill>
+              </a:rPr>
+              <a:t> </a:t>
+            </a:r>
+            <a:r>
+              <a:rPr lang="en-US" sz="6000" dirty="0" err="1">
+                <a:solidFill>
+                  <a:schemeClr val="dk1"/>
+                </a:solidFill>
+              </a:rPr>
+              <a:t>en</a:t>
+            </a:r>
+            <a:r>
+              <a:rPr lang="en-US" sz="6000" dirty="0">
+                <a:solidFill>
+                  <a:schemeClr val="dk1"/>
+                </a:solidFill>
+              </a:rPr>
+              <a:t> una base de </a:t>
+            </a:r>
+            <a:r>
+              <a:rPr lang="en-US" sz="6000" dirty="0" err="1">
+                <a:solidFill>
+                  <a:schemeClr val="dk1"/>
+                </a:solidFill>
+              </a:rPr>
+              <a:t>datos</a:t>
+            </a:r>
+            <a:r>
+              <a:rPr lang="en-US" sz="6000" dirty="0">
+                <a:solidFill>
+                  <a:schemeClr val="dk1"/>
+                </a:solidFill>
+              </a:rPr>
+              <a:t> </a:t>
+            </a:r>
+            <a:r>
+              <a:rPr lang="en-US" sz="6000" dirty="0" err="1">
+                <a:solidFill>
+                  <a:schemeClr val="dk1"/>
+                </a:solidFill>
+              </a:rPr>
+              <a:t>estable</a:t>
+            </a:r>
+            <a:r>
+              <a:rPr lang="en-US" sz="6000" dirty="0">
+                <a:solidFill>
+                  <a:schemeClr val="dk1"/>
+                </a:solidFill>
+              </a:rPr>
+              <a:t> con </a:t>
+            </a:r>
+            <a:r>
+              <a:rPr lang="en-US" sz="6000" dirty="0" err="1">
+                <a:solidFill>
+                  <a:schemeClr val="dk1"/>
+                </a:solidFill>
+              </a:rPr>
+              <a:t>buen</a:t>
+            </a:r>
+            <a:r>
+              <a:rPr lang="en-US" sz="6000" dirty="0">
+                <a:solidFill>
+                  <a:schemeClr val="dk1"/>
+                </a:solidFill>
+              </a:rPr>
+              <a:t> </a:t>
+            </a:r>
+            <a:r>
+              <a:rPr lang="en-US" sz="6000" dirty="0" err="1">
+                <a:solidFill>
+                  <a:schemeClr val="dk1"/>
+                </a:solidFill>
+              </a:rPr>
+              <a:t>rendimiento</a:t>
+            </a:r>
+            <a:r>
+              <a:rPr lang="en-US" sz="6000" dirty="0">
+                <a:solidFill>
+                  <a:schemeClr val="dk1"/>
+                </a:solidFill>
+              </a:rPr>
+              <a:t>, </a:t>
+            </a:r>
+            <a:r>
+              <a:rPr lang="en-US" sz="6000" dirty="0" err="1">
+                <a:solidFill>
+                  <a:schemeClr val="dk1"/>
+                </a:solidFill>
+              </a:rPr>
+              <a:t>donde</a:t>
+            </a:r>
+            <a:r>
+              <a:rPr lang="en-US" sz="6000" dirty="0">
+                <a:solidFill>
+                  <a:schemeClr val="dk1"/>
+                </a:solidFill>
+              </a:rPr>
+              <a:t> </a:t>
+            </a:r>
+            <a:r>
+              <a:rPr lang="en-US" sz="6000" dirty="0" err="1">
+                <a:solidFill>
+                  <a:schemeClr val="dk1"/>
+                </a:solidFill>
+              </a:rPr>
+              <a:t>exista</a:t>
+            </a:r>
+            <a:r>
+              <a:rPr lang="en-US" sz="6000" dirty="0">
+                <a:solidFill>
+                  <a:schemeClr val="dk1"/>
+                </a:solidFill>
+              </a:rPr>
+              <a:t> </a:t>
+            </a:r>
+            <a:r>
+              <a:rPr lang="en-US" sz="6000" dirty="0" err="1">
+                <a:solidFill>
+                  <a:schemeClr val="dk1"/>
+                </a:solidFill>
+              </a:rPr>
+              <a:t>registro</a:t>
+            </a:r>
+            <a:r>
+              <a:rPr lang="en-US" sz="6000" dirty="0">
+                <a:solidFill>
+                  <a:schemeClr val="dk1"/>
+                </a:solidFill>
+              </a:rPr>
+              <a:t> de </a:t>
+            </a:r>
+            <a:r>
+              <a:rPr lang="en-US" sz="6000" dirty="0" err="1">
+                <a:solidFill>
+                  <a:schemeClr val="dk1"/>
+                </a:solidFill>
+              </a:rPr>
+              <a:t>usuarios</a:t>
+            </a:r>
+            <a:r>
+              <a:rPr lang="en-US" sz="6000" dirty="0">
+                <a:solidFill>
+                  <a:schemeClr val="dk1"/>
+                </a:solidFill>
+              </a:rPr>
+              <a:t> e </a:t>
+            </a:r>
+            <a:r>
+              <a:rPr lang="en-US" sz="6000" dirty="0" err="1">
+                <a:solidFill>
+                  <a:schemeClr val="dk1"/>
+                </a:solidFill>
+              </a:rPr>
+              <a:t>inicios</a:t>
+            </a:r>
+            <a:r>
+              <a:rPr lang="en-US" sz="6000" dirty="0">
+                <a:solidFill>
+                  <a:schemeClr val="dk1"/>
+                </a:solidFill>
+              </a:rPr>
+              <a:t> </a:t>
+            </a:r>
+            <a:r>
+              <a:rPr lang="en-US" sz="6000" dirty="0" err="1">
+                <a:solidFill>
+                  <a:schemeClr val="dk1"/>
+                </a:solidFill>
+              </a:rPr>
+              <a:t>correspondientes</a:t>
+            </a:r>
+            <a:r>
+              <a:rPr lang="en-US" sz="6000" dirty="0">
+                <a:solidFill>
+                  <a:schemeClr val="dk1"/>
+                </a:solidFill>
+              </a:rPr>
+              <a:t> para </a:t>
+            </a:r>
+            <a:r>
+              <a:rPr lang="en-US" sz="6000" dirty="0" err="1">
+                <a:solidFill>
+                  <a:schemeClr val="dk1"/>
+                </a:solidFill>
+              </a:rPr>
+              <a:t>cada</a:t>
+            </a:r>
+            <a:r>
+              <a:rPr lang="en-US" sz="6000" dirty="0">
+                <a:solidFill>
+                  <a:schemeClr val="dk1"/>
+                </a:solidFill>
+              </a:rPr>
+              <a:t> </a:t>
+            </a:r>
+            <a:r>
+              <a:rPr lang="en-US" sz="6000" dirty="0" err="1">
+                <a:solidFill>
+                  <a:schemeClr val="dk1"/>
+                </a:solidFill>
+              </a:rPr>
+              <a:t>participante</a:t>
+            </a:r>
+            <a:r>
+              <a:rPr lang="en-US" sz="6000" dirty="0">
+                <a:solidFill>
+                  <a:schemeClr val="dk1"/>
+                </a:solidFill>
+              </a:rPr>
+              <a:t>, con los </a:t>
+            </a:r>
+            <a:r>
+              <a:rPr lang="en-US" sz="6000" dirty="0" err="1">
+                <a:solidFill>
+                  <a:schemeClr val="dk1"/>
+                </a:solidFill>
+              </a:rPr>
+              <a:t>distintos</a:t>
+            </a:r>
+            <a:r>
+              <a:rPr lang="en-US" sz="6000" dirty="0">
+                <a:solidFill>
+                  <a:schemeClr val="dk1"/>
+                </a:solidFill>
+              </a:rPr>
+              <a:t> </a:t>
+            </a:r>
+            <a:r>
+              <a:rPr lang="en-US" sz="6000" dirty="0" err="1">
+                <a:solidFill>
+                  <a:schemeClr val="dk1"/>
+                </a:solidFill>
+              </a:rPr>
+              <a:t>accesos</a:t>
+            </a:r>
+            <a:r>
+              <a:rPr lang="en-US" sz="6000" dirty="0">
+                <a:solidFill>
+                  <a:schemeClr val="dk1"/>
+                </a:solidFill>
+              </a:rPr>
+              <a:t> de </a:t>
+            </a:r>
+            <a:r>
+              <a:rPr lang="en-US" sz="6000" dirty="0" err="1">
+                <a:solidFill>
+                  <a:schemeClr val="dk1"/>
+                </a:solidFill>
+              </a:rPr>
+              <a:t>información</a:t>
+            </a:r>
+            <a:r>
+              <a:rPr lang="en-US" sz="6000" dirty="0">
+                <a:solidFill>
+                  <a:schemeClr val="dk1"/>
+                </a:solidFill>
+              </a:rPr>
+              <a:t>.</a:t>
+            </a:r>
+            <a:endParaRPr dirty="0">
               <a:latin typeface="Helvetica Neue"/>
               <a:ea typeface="Helvetica Neue"/>
               <a:cs typeface="Helvetica Neue"/>

--- a/00-PRESENTATION/PRESENTACION_SOE.pptx
+++ b/00-PRESENTATION/PRESENTACION_SOE.pptx
@@ -292,10 +292,47 @@
       </p15:sldGuideLst>
     </p:ext>
     <p:ext uri="http://customooxmlschemas.google.com/">
-      <go:slidesCustomData xmlns:go="http://customooxmlschemas.google.com/" xmlns:ahyp="http://schemas.microsoft.com/office/drawing/2018/hyperlinkcolor" xmlns:p15="http://schemas.microsoft.com/office/powerpoint/2012/main" xmlns:p14="http://schemas.microsoft.com/office/powerpoint/2010/main" xmlns:com="http://schemas.openxmlformats.org/drawingml/2006/compatibility" xmlns:pvml="urn:schemas-microsoft-com:office:powerpoint" xmlns:v="urn:schemas-microsoft-com:vml" xmlns:o="urn:schemas-microsoft-com:office:office" xmlns:dgm="http://schemas.openxmlformats.org/drawingml/2006/diagram" xmlns:c="http://schemas.openxmlformats.org/drawingml/2006/chart" xmlns:mv="urn:schemas-microsoft-com:mac:vml" xmlns:mc="http://schemas.openxmlformats.org/markup-compatibility/2006" xmlns="" r:id="rId28" roundtripDataSignature="AMtx7miRF9QqgmOwsJlqFQYq63u9Ef2Mug=="/>
+      <go:slidesCustomData xmlns="" xmlns:mc="http://schemas.openxmlformats.org/markup-compatibility/2006" xmlns:mv="urn:schemas-microsoft-com:mac:vml" xmlns:c="http://schemas.openxmlformats.org/drawingml/2006/chart" xmlns:dgm="http://schemas.openxmlformats.org/drawingml/2006/diagram" xmlns:o="urn:schemas-microsoft-com:office:office" xmlns:v="urn:schemas-microsoft-com:vml" xmlns:pvml="urn:schemas-microsoft-com:office:powerpoint" xmlns:com="http://schemas.openxmlformats.org/drawingml/2006/compatibility" xmlns:p14="http://schemas.microsoft.com/office/powerpoint/2010/main" xmlns:p15="http://schemas.microsoft.com/office/powerpoint/2012/main" xmlns:ahyp="http://schemas.microsoft.com/office/drawing/2018/hyperlinkcolor" xmlns:go="http://customooxmlschemas.google.com/" r:id="rId28" roundtripDataSignature="AMtx7miRF9QqgmOwsJlqFQYq63u9Ef2Mug=="/>
     </p:ext>
   </p:extLst>
 </p:presentation>
+</file>
+
+<file path=ppt/changesInfos/changesInfo1.xml><?xml version="1.0" encoding="utf-8"?>
+<pc:chgInfo xmlns:a="http://schemas.openxmlformats.org/drawingml/2006/main" xmlns:r="http://schemas.openxmlformats.org/officeDocument/2006/relationships" xmlns:ac="http://schemas.microsoft.com/office/drawing/2013/main/command" xmlns:pc="http://schemas.microsoft.com/office/powerpoint/2013/main/command">
+  <pc:docChgLst>
+    <pc:chgData name="juan david mercado torres" userId="4c7f5dae58cac8d6" providerId="LiveId" clId="{999EF266-D90E-4F79-8DFE-E92D2742C72F}"/>
+    <pc:docChg chg="modSld">
+      <pc:chgData name="juan david mercado torres" userId="4c7f5dae58cac8d6" providerId="LiveId" clId="{999EF266-D90E-4F79-8DFE-E92D2742C72F}" dt="2022-03-22T15:59:17.762" v="1" actId="1076"/>
+      <pc:docMkLst>
+        <pc:docMk/>
+      </pc:docMkLst>
+      <pc:sldChg chg="modSp mod">
+        <pc:chgData name="juan david mercado torres" userId="4c7f5dae58cac8d6" providerId="LiveId" clId="{999EF266-D90E-4F79-8DFE-E92D2742C72F}" dt="2022-03-22T15:59:17.762" v="1" actId="1076"/>
+        <pc:sldMkLst>
+          <pc:docMk/>
+          <pc:sldMk cId="0" sldId="257"/>
+        </pc:sldMkLst>
+        <pc:spChg chg="mod">
+          <ac:chgData name="juan david mercado torres" userId="4c7f5dae58cac8d6" providerId="LiveId" clId="{999EF266-D90E-4F79-8DFE-E92D2742C72F}" dt="2022-03-22T15:59:17.762" v="1" actId="1076"/>
+          <ac:spMkLst>
+            <pc:docMk/>
+            <pc:sldMk cId="0" sldId="257"/>
+            <ac:spMk id="67" creationId="{00000000-0000-0000-0000-000000000000}"/>
+          </ac:spMkLst>
+        </pc:spChg>
+        <pc:spChg chg="mod">
+          <ac:chgData name="juan david mercado torres" userId="4c7f5dae58cac8d6" providerId="LiveId" clId="{999EF266-D90E-4F79-8DFE-E92D2742C72F}" dt="2022-03-22T15:58:58.980" v="0" actId="20577"/>
+          <ac:spMkLst>
+            <pc:docMk/>
+            <pc:sldMk cId="0" sldId="257"/>
+            <ac:spMk id="69" creationId="{00000000-0000-0000-0000-000000000000}"/>
+          </ac:spMkLst>
+        </pc:spChg>
+      </pc:sldChg>
+    </pc:docChg>
+  </pc:docChgLst>
+</pc:chgInfo>
 </file>
 
 <file path=ppt/notesMasters/notesMaster1.xml><?xml version="1.0" encoding="utf-8"?>
@@ -14821,7 +14858,7 @@
         </p:nvSpPr>
         <p:spPr>
           <a:xfrm>
-            <a:off x="3852375" y="4240900"/>
+            <a:off x="3852375" y="6618775"/>
             <a:ext cx="18098100" cy="3302100"/>
           </a:xfrm>
           <a:prstGeom prst="rect">
@@ -14855,7 +14892,7 @@
               <a:buFont typeface="Calibri"/>
               <a:buNone/>
             </a:pPr>
-            <a:endParaRPr/>
+            <a:endParaRPr dirty="0"/>
           </a:p>
           <a:p>
             <a:pPr marL="0" marR="36573" lvl="0" indent="0" algn="ctr" rtl="0">
@@ -14876,7 +14913,7 @@
               <a:buNone/>
             </a:pPr>
             <a:r>
-              <a:rPr lang="en-US" sz="7760" b="1">
+              <a:rPr lang="en-US" sz="7760" b="1" dirty="0" err="1">
                 <a:solidFill>
                   <a:srgbClr val="434343"/>
                 </a:solidFill>
@@ -14885,10 +14922,10 @@
                 <a:cs typeface="Calibri"/>
                 <a:sym typeface="Calibri"/>
               </a:rPr>
-              <a:t>Integrantes:</a:t>
-            </a:r>
-            <a:br>
-              <a:rPr lang="en-US" sz="7760" b="1">
+              <a:t>Integrantes</a:t>
+            </a:r>
+            <a:r>
+              <a:rPr lang="en-US" sz="7760" b="1" dirty="0">
                 <a:solidFill>
                   <a:srgbClr val="434343"/>
                 </a:solidFill>
@@ -14897,9 +14934,10 @@
                 <a:cs typeface="Calibri"/>
                 <a:sym typeface="Calibri"/>
               </a:rPr>
-            </a:br>
-            <a:r>
-              <a:rPr lang="en-US" sz="7200" b="1">
+              <a:t>:</a:t>
+            </a:r>
+            <a:br>
+              <a:rPr lang="en-US" sz="7760" b="1" dirty="0">
                 <a:solidFill>
                   <a:srgbClr val="434343"/>
                 </a:solidFill>
@@ -14908,10 +14946,9 @@
                 <a:cs typeface="Calibri"/>
                 <a:sym typeface="Calibri"/>
               </a:rPr>
-              <a:t>Juan Camilo Rojas Rojas</a:t>
-            </a:r>
-            <a:br>
-              <a:rPr lang="en-US" sz="7200" b="1">
+            </a:br>
+            <a:r>
+              <a:rPr lang="en-US" sz="7200" b="1" dirty="0">
                 <a:solidFill>
                   <a:srgbClr val="434343"/>
                 </a:solidFill>
@@ -14920,9 +14957,10 @@
                 <a:cs typeface="Calibri"/>
                 <a:sym typeface="Calibri"/>
               </a:rPr>
-            </a:br>
-            <a:r>
-              <a:rPr lang="en-US" sz="7200" b="1">
+              <a:t>Juan Camilo Rojas </a:t>
+            </a:r>
+            <a:r>
+              <a:rPr lang="en-US" sz="7200" b="1" dirty="0" err="1">
                 <a:solidFill>
                   <a:srgbClr val="434343"/>
                 </a:solidFill>
@@ -14931,10 +14969,10 @@
                 <a:cs typeface="Calibri"/>
                 <a:sym typeface="Calibri"/>
               </a:rPr>
-              <a:t>Justin Jarnol Garzón Cardenas</a:t>
+              <a:t>Rojas</a:t>
             </a:r>
             <a:br>
-              <a:rPr lang="en-US" sz="7200" b="1">
+              <a:rPr lang="en-US" sz="7200" b="1" dirty="0">
                 <a:solidFill>
                   <a:srgbClr val="434343"/>
                 </a:solidFill>
@@ -14945,7 +14983,7 @@
               </a:rPr>
             </a:br>
             <a:r>
-              <a:rPr lang="en-US" sz="7200" b="1">
+              <a:rPr lang="en-US" sz="7200" b="1" dirty="0">
                 <a:solidFill>
                   <a:srgbClr val="434343"/>
                 </a:solidFill>
@@ -14954,10 +14992,10 @@
                 <a:cs typeface="Calibri"/>
                 <a:sym typeface="Calibri"/>
               </a:rPr>
-              <a:t>Jairo Styp Rodriguez Patiño</a:t>
-            </a:r>
-            <a:br>
-              <a:rPr lang="en-US" sz="7200" b="1">
+              <a:t>Justin </a:t>
+            </a:r>
+            <a:r>
+              <a:rPr lang="en-US" sz="7200" b="1" dirty="0" err="1">
                 <a:solidFill>
                   <a:srgbClr val="434343"/>
                 </a:solidFill>
@@ -14966,9 +15004,10 @@
                 <a:cs typeface="Calibri"/>
                 <a:sym typeface="Calibri"/>
               </a:rPr>
-            </a:br>
-            <a:r>
-              <a:rPr lang="en-US" sz="7200" b="1">
+              <a:t>Jarnol</a:t>
+            </a:r>
+            <a:r>
+              <a:rPr lang="en-US" sz="7200" b="1" dirty="0">
                 <a:solidFill>
                   <a:srgbClr val="434343"/>
                 </a:solidFill>
@@ -14977,9 +15016,91 @@
                 <a:cs typeface="Calibri"/>
                 <a:sym typeface="Calibri"/>
               </a:rPr>
+              <a:t> Garzón Cardenas</a:t>
+            </a:r>
+            <a:br>
+              <a:rPr lang="en-US" sz="7200" b="1" dirty="0">
+                <a:solidFill>
+                  <a:srgbClr val="434343"/>
+                </a:solidFill>
+                <a:latin typeface="Calibri"/>
+                <a:ea typeface="Calibri"/>
+                <a:cs typeface="Calibri"/>
+                <a:sym typeface="Calibri"/>
+              </a:rPr>
+            </a:br>
+            <a:r>
+              <a:rPr lang="en-US" sz="7200" b="1" dirty="0">
+                <a:solidFill>
+                  <a:srgbClr val="434343"/>
+                </a:solidFill>
+                <a:latin typeface="Calibri"/>
+                <a:ea typeface="Calibri"/>
+                <a:cs typeface="Calibri"/>
+                <a:sym typeface="Calibri"/>
+              </a:rPr>
+              <a:t>Jairo </a:t>
+            </a:r>
+            <a:r>
+              <a:rPr lang="en-US" sz="7200" b="1" dirty="0" err="1">
+                <a:solidFill>
+                  <a:srgbClr val="434343"/>
+                </a:solidFill>
+                <a:latin typeface="Calibri"/>
+                <a:ea typeface="Calibri"/>
+                <a:cs typeface="Calibri"/>
+                <a:sym typeface="Calibri"/>
+              </a:rPr>
+              <a:t>Styp</a:t>
+            </a:r>
+            <a:r>
+              <a:rPr lang="en-US" sz="7200" b="1" dirty="0">
+                <a:solidFill>
+                  <a:srgbClr val="434343"/>
+                </a:solidFill>
+                <a:latin typeface="Calibri"/>
+                <a:ea typeface="Calibri"/>
+                <a:cs typeface="Calibri"/>
+                <a:sym typeface="Calibri"/>
+              </a:rPr>
+              <a:t> Rodriguez </a:t>
+            </a:r>
+            <a:r>
+              <a:rPr lang="en-US" sz="7200" b="1" dirty="0" err="1">
+                <a:solidFill>
+                  <a:srgbClr val="434343"/>
+                </a:solidFill>
+                <a:latin typeface="Calibri"/>
+                <a:ea typeface="Calibri"/>
+                <a:cs typeface="Calibri"/>
+                <a:sym typeface="Calibri"/>
+              </a:rPr>
+              <a:t>Patiño</a:t>
+            </a:r>
+            <a:br>
+              <a:rPr lang="en-US" sz="7200" b="1" dirty="0">
+                <a:solidFill>
+                  <a:srgbClr val="434343"/>
+                </a:solidFill>
+                <a:latin typeface="Calibri"/>
+                <a:ea typeface="Calibri"/>
+                <a:cs typeface="Calibri"/>
+                <a:sym typeface="Calibri"/>
+              </a:rPr>
+            </a:br>
+            <a:r>
+              <a:rPr lang="en-US" sz="7200" b="1" dirty="0">
+                <a:solidFill>
+                  <a:srgbClr val="434343"/>
+                </a:solidFill>
+                <a:latin typeface="Calibri"/>
+                <a:ea typeface="Calibri"/>
+                <a:cs typeface="Calibri"/>
+                <a:sym typeface="Calibri"/>
+              </a:rPr>
               <a:t>Juan David Mercado Torres</a:t>
             </a:r>
-            <a:endParaRPr sz="7200" b="0" i="0" u="none" strike="noStrike" cap="none">
+            <a:endParaRPr sz="7200" b="0" i="0" u="none" strike="noStrike" cap="none" dirty="0">
               <a:solidFill>
                 <a:srgbClr val="000000"/>
               </a:solidFill>
@@ -15081,41 +15202,6 @@
               <a:buFont typeface="Arial"/>
               <a:buNone/>
             </a:pPr>
-            <a:r>
-              <a:rPr lang="en-US" sz="7200" b="1" dirty="0">
-                <a:solidFill>
-                  <a:srgbClr val="434343"/>
-                </a:solidFill>
-                <a:latin typeface="Calibri"/>
-                <a:ea typeface="Calibri"/>
-                <a:cs typeface="Calibri"/>
-                <a:sym typeface="Calibri"/>
-              </a:rPr>
-              <a:t>Instructor:</a:t>
-            </a:r>
-            <a:br>
-              <a:rPr lang="en-US" sz="7200" b="1" dirty="0">
-                <a:solidFill>
-                  <a:srgbClr val="434343"/>
-                </a:solidFill>
-                <a:latin typeface="Calibri"/>
-                <a:ea typeface="Calibri"/>
-                <a:cs typeface="Calibri"/>
-                <a:sym typeface="Calibri"/>
-              </a:rPr>
-            </a:br>
-            <a:r>
-              <a:rPr lang="en-US" sz="7200" b="1" dirty="0">
-                <a:solidFill>
-                  <a:srgbClr val="434343"/>
-                </a:solidFill>
-                <a:latin typeface="Calibri"/>
-                <a:ea typeface="Calibri"/>
-                <a:cs typeface="Calibri"/>
-                <a:sym typeface="Calibri"/>
-              </a:rPr>
-              <a:t>RICARDO AUGUSTO CASTELBLANCO SEPULVEDA</a:t>
-            </a:r>
             <a:endParaRPr sz="7200" b="0" i="0" u="none" strike="noStrike" cap="none" dirty="0">
               <a:solidFill>
                 <a:srgbClr val="434343"/>
